--- a/slides/05-regression-and-optimization.pptx
+++ b/slides/05-regression-and-optimization.pptx
@@ -5,7 +5,7 @@
     <p:sldMasterId id="2147483686" r:id="rId1"/>
   </p:sldMasterIdLst>
   <p:notesMasterIdLst>
-    <p:notesMasterId r:id="rId45"/>
+    <p:notesMasterId r:id="rId44"/>
   </p:notesMasterIdLst>
   <p:sldIdLst>
     <p:sldId id="256" r:id="rId2"/>
@@ -27,30 +27,29 @@
     <p:sldId id="305" r:id="rId18"/>
     <p:sldId id="272" r:id="rId19"/>
     <p:sldId id="273" r:id="rId20"/>
-    <p:sldId id="266" r:id="rId21"/>
-    <p:sldId id="274" r:id="rId22"/>
-    <p:sldId id="275" r:id="rId23"/>
-    <p:sldId id="276" r:id="rId24"/>
-    <p:sldId id="277" r:id="rId25"/>
-    <p:sldId id="278" r:id="rId26"/>
-    <p:sldId id="280" r:id="rId27"/>
-    <p:sldId id="281" r:id="rId28"/>
-    <p:sldId id="306" r:id="rId29"/>
-    <p:sldId id="285" r:id="rId30"/>
-    <p:sldId id="287" r:id="rId31"/>
-    <p:sldId id="288" r:id="rId32"/>
-    <p:sldId id="289" r:id="rId33"/>
-    <p:sldId id="290" r:id="rId34"/>
-    <p:sldId id="308" r:id="rId35"/>
-    <p:sldId id="291" r:id="rId36"/>
-    <p:sldId id="292" r:id="rId37"/>
-    <p:sldId id="293" r:id="rId38"/>
-    <p:sldId id="294" r:id="rId39"/>
-    <p:sldId id="296" r:id="rId40"/>
-    <p:sldId id="297" r:id="rId41"/>
-    <p:sldId id="307" r:id="rId42"/>
-    <p:sldId id="299" r:id="rId43"/>
-    <p:sldId id="300" r:id="rId44"/>
+    <p:sldId id="274" r:id="rId21"/>
+    <p:sldId id="275" r:id="rId22"/>
+    <p:sldId id="276" r:id="rId23"/>
+    <p:sldId id="277" r:id="rId24"/>
+    <p:sldId id="278" r:id="rId25"/>
+    <p:sldId id="280" r:id="rId26"/>
+    <p:sldId id="281" r:id="rId27"/>
+    <p:sldId id="306" r:id="rId28"/>
+    <p:sldId id="285" r:id="rId29"/>
+    <p:sldId id="287" r:id="rId30"/>
+    <p:sldId id="288" r:id="rId31"/>
+    <p:sldId id="289" r:id="rId32"/>
+    <p:sldId id="290" r:id="rId33"/>
+    <p:sldId id="308" r:id="rId34"/>
+    <p:sldId id="291" r:id="rId35"/>
+    <p:sldId id="292" r:id="rId36"/>
+    <p:sldId id="293" r:id="rId37"/>
+    <p:sldId id="294" r:id="rId38"/>
+    <p:sldId id="296" r:id="rId39"/>
+    <p:sldId id="297" r:id="rId40"/>
+    <p:sldId id="307" r:id="rId41"/>
+    <p:sldId id="299" r:id="rId42"/>
+    <p:sldId id="300" r:id="rId43"/>
   </p:sldIdLst>
   <p:sldSz cx="12192000" cy="6858000"/>
   <p:notesSz cx="6858000" cy="9144000"/>
@@ -239,7 +238,7 @@
           <a:p>
             <a:fld id="{A5320152-7289-42ED-97D3-BBB411F9F8C0}" type="datetimeFigureOut">
               <a:rPr lang="en-US" smtClean="0"/>
-              <a:t>12/11/2025</a:t>
+              <a:t>1/9/2026</a:t>
             </a:fld>
             <a:endParaRPr lang="en-US"/>
           </a:p>
@@ -659,7 +658,7 @@
           <a:p>
             <a:fld id="{D1D1EADE-8E88-4C7C-8AC5-FB148DE4940E}" type="datetime1">
               <a:rPr lang="en-US" smtClean="0"/>
-              <a:t>12/11/2025</a:t>
+              <a:t>1/9/2026</a:t>
             </a:fld>
             <a:endParaRPr lang="en-US"/>
           </a:p>
@@ -859,7 +858,7 @@
           <a:p>
             <a:fld id="{EC3C8B9C-477D-492A-96AD-1FC2CC997A73}" type="datetime1">
               <a:rPr lang="en-US" smtClean="0"/>
-              <a:t>12/11/2025</a:t>
+              <a:t>1/9/2026</a:t>
             </a:fld>
             <a:endParaRPr lang="en-US"/>
           </a:p>
@@ -1069,7 +1068,7 @@
           <a:p>
             <a:fld id="{42D3AED5-E26D-4E29-B1B3-7847B6779594}" type="datetime1">
               <a:rPr lang="en-US" smtClean="0"/>
-              <a:t>12/11/2025</a:t>
+              <a:t>1/9/2026</a:t>
             </a:fld>
             <a:endParaRPr lang="en-US"/>
           </a:p>
@@ -1716,7 +1715,7 @@
           <a:p>
             <a:fld id="{157B6794-849E-4626-908B-D15793550EFB}" type="datetime1">
               <a:rPr lang="en-US" smtClean="0"/>
-              <a:t>12/11/2025</a:t>
+              <a:t>1/9/2026</a:t>
             </a:fld>
             <a:endParaRPr lang="en-US"/>
           </a:p>
@@ -1992,7 +1991,7 @@
           <a:p>
             <a:fld id="{63DB64E7-5594-42A3-ADBF-E95A7ACEAD64}" type="datetime1">
               <a:rPr lang="en-US" smtClean="0"/>
-              <a:t>12/11/2025</a:t>
+              <a:t>1/9/2026</a:t>
             </a:fld>
             <a:endParaRPr lang="en-US"/>
           </a:p>
@@ -2265,7 +2264,7 @@
           <a:p>
             <a:fld id="{18462B0B-D248-4FFB-8695-AD7FA4B1284A}" type="datetime1">
               <a:rPr lang="en-US" smtClean="0"/>
-              <a:t>12/11/2025</a:t>
+              <a:t>1/9/2026</a:t>
             </a:fld>
             <a:endParaRPr lang="en-US"/>
           </a:p>
@@ -2688,7 +2687,7 @@
           <a:p>
             <a:fld id="{D0378EFB-9159-4510-B73F-4F0409ADE937}" type="datetime1">
               <a:rPr lang="en-US" smtClean="0"/>
-              <a:t>12/11/2025</a:t>
+              <a:t>1/9/2026</a:t>
             </a:fld>
             <a:endParaRPr lang="en-US"/>
           </a:p>
@@ -2830,7 +2829,7 @@
           <a:p>
             <a:fld id="{89BC9412-2452-4BED-A324-9D8C115361AD}" type="datetime1">
               <a:rPr lang="en-US" smtClean="0"/>
-              <a:t>12/11/2025</a:t>
+              <a:t>1/9/2026</a:t>
             </a:fld>
             <a:endParaRPr lang="en-US"/>
           </a:p>
@@ -2943,7 +2942,7 @@
           <a:p>
             <a:fld id="{F5318F62-D251-40E8-A23C-F4CFE9FEAB41}" type="datetime1">
               <a:rPr lang="en-US" smtClean="0"/>
-              <a:t>12/11/2025</a:t>
+              <a:t>1/9/2026</a:t>
             </a:fld>
             <a:endParaRPr lang="en-US"/>
           </a:p>
@@ -3256,7 +3255,7 @@
           <a:p>
             <a:fld id="{44F76144-149E-4874-93A5-554A0357CF82}" type="datetime1">
               <a:rPr lang="en-US" smtClean="0"/>
-              <a:t>12/11/2025</a:t>
+              <a:t>1/9/2026</a:t>
             </a:fld>
             <a:endParaRPr lang="en-US"/>
           </a:p>
@@ -3549,7 +3548,7 @@
           <a:p>
             <a:fld id="{50BA65D8-0540-4835-AE5C-25D29DBA01BE}" type="datetime1">
               <a:rPr lang="en-US" smtClean="0"/>
-              <a:t>12/11/2025</a:t>
+              <a:t>1/9/2026</a:t>
             </a:fld>
             <a:endParaRPr lang="en-US"/>
           </a:p>
@@ -3791,7 +3790,7 @@
           <a:p>
             <a:fld id="{E31BA835-12AC-4E8F-955A-EA3F4DE2791F}" type="datetime1">
               <a:rPr lang="en-US" smtClean="0"/>
-              <a:t>12/11/2025</a:t>
+              <a:t>1/9/2026</a:t>
             </a:fld>
             <a:endParaRPr lang="en-US"/>
           </a:p>
@@ -6903,7 +6902,15 @@
           <a:p>
             <a:r>
               <a:rPr dirty="0"/>
-              <a:t>Method 2: Gradient Descent </a:t>
+              <a:t>Method 2: Gradient Descent</a:t>
+            </a:r>
+            <a:r>
+              <a:rPr lang="en-US" dirty="0"/>
+              <a:t> (High level)</a:t>
+            </a:r>
+            <a:r>
+              <a:rPr dirty="0"/>
+              <a:t> </a:t>
             </a:r>
           </a:p>
         </p:txBody>
@@ -7969,29 +7976,6 @@
       </p:grpSpPr>
       <p:sp>
         <p:nvSpPr>
-          <p:cNvPr id="221" name="Slide Subtitle"/>
-          <p:cNvSpPr txBox="1">
-            <a:spLocks noGrp="1"/>
-          </p:cNvSpPr>
-          <p:nvPr>
-            <p:ph type="body" idx="21"/>
-          </p:nvPr>
-        </p:nvSpPr>
-        <p:spPr>
-          <a:prstGeom prst="rect">
-            <a:avLst/>
-          </a:prstGeom>
-        </p:spPr>
-        <p:txBody>
-          <a:bodyPr/>
-          <a:lstStyle/>
-          <a:p>
-            <a:endParaRPr/>
-          </a:p>
-        </p:txBody>
-      </p:sp>
-      <p:sp>
-        <p:nvSpPr>
           <p:cNvPr id="222" name="Learning Rate"/>
           <p:cNvSpPr txBox="1">
             <a:spLocks noGrp="1"/>
@@ -8010,6 +7994,7 @@
           <a:lstStyle/>
           <a:p>
             <a:r>
+              <a:rPr dirty="0"/>
               <a:t>Learning Rate</a:t>
             </a:r>
           </a:p>
@@ -8035,28 +8020,33 @@
           <a:lstStyle/>
           <a:p>
             <a:r>
+              <a:rPr dirty="0"/>
               <a:t>If the learning rate is too high, the gradient descent algorithm will bounce around the minimum and never converge </a:t>
             </a:r>
           </a:p>
           <a:p>
             <a:pPr lvl="1"/>
             <a:r>
+              <a:rPr dirty="0"/>
               <a:t>(See Figure 4-5 in HOML)</a:t>
             </a:r>
           </a:p>
           <a:p>
             <a:r>
+              <a:rPr dirty="0"/>
               <a:t>If the learning rate is too low, it could take a very long time to find the minimum </a:t>
             </a:r>
           </a:p>
           <a:p>
             <a:pPr lvl="1"/>
             <a:r>
+              <a:rPr dirty="0"/>
               <a:t>(See Figure 4-4 in HOML)</a:t>
             </a:r>
           </a:p>
           <a:p>
             <a:r>
+              <a:rPr dirty="0"/>
               <a:t>It is common to start with a small learning rate (~0.01) and adjust based on the performance of the model</a:t>
             </a:r>
           </a:p>
@@ -8288,6 +8278,7 @@
           <a:lstStyle/>
           <a:p>
             <a:r>
+              <a:rPr dirty="0"/>
               <a:t>Gradient Descent Variations</a:t>
             </a:r>
           </a:p>
@@ -8457,6 +8448,7 @@
           <a:lstStyle/>
           <a:p>
             <a:r>
+              <a:rPr dirty="0"/>
               <a:t>Gradient Descent Variations</a:t>
             </a:r>
           </a:p>
@@ -9025,701 +9017,6 @@
 </file>
 
 <file path=ppt/slides/slide20.xml><?xml version="1.0" encoding="utf-8"?>
-<p:sld xmlns:a="http://schemas.openxmlformats.org/drawingml/2006/main" xmlns:r="http://schemas.openxmlformats.org/officeDocument/2006/relationships" xmlns:p="http://schemas.openxmlformats.org/presentationml/2006/main" show="0">
-  <p:cSld>
-    <p:spTree>
-      <p:nvGrpSpPr>
-        <p:cNvPr id="1" name=""/>
-        <p:cNvGrpSpPr/>
-        <p:nvPr/>
-      </p:nvGrpSpPr>
-      <p:grpSpPr>
-        <a:xfrm>
-          <a:off x="0" y="0"/>
-          <a:ext cx="0" cy="0"/>
-          <a:chOff x="0" y="0"/>
-          <a:chExt cx="0" cy="0"/>
-        </a:xfrm>
-      </p:grpSpPr>
-      <mc:AlternateContent xmlns:mc="http://schemas.openxmlformats.org/markup-compatibility/2006" xmlns:a14="http://schemas.microsoft.com/office/drawing/2010/main">
-        <mc:Choice Requires="a14">
-          <p:sp>
-            <p:nvSpPr>
-              <p:cNvPr id="2" name="Content Placeholder 1"/>
-              <p:cNvSpPr>
-                <a:spLocks noGrp="1"/>
-              </p:cNvSpPr>
-              <p:nvPr>
-                <p:ph idx="1"/>
-              </p:nvPr>
-            </p:nvSpPr>
-            <p:spPr/>
-            <p:txBody>
-              <a:bodyPr/>
-              <a:lstStyle/>
-              <a:p>
-                <a:pPr marL="0" indent="0">
-                  <a:buNone/>
-                </a:pPr>
-                <a:r>
-                  <a:rPr lang="en-US" dirty="0"/>
-                  <a:t>We have shown that the regularized least squares (i.e. ridge regression) objective function can be written (after eliminating </a:t>
-                </a:r>
-                <a14:m>
-                  <m:oMath xmlns:m="http://schemas.openxmlformats.org/officeDocument/2006/math">
-                    <m:r>
-                      <a:rPr lang="en-US" b="0" i="1" smtClean="0">
-                        <a:latin typeface="Cambria Math" panose="02040503050406030204" pitchFamily="18" charset="0"/>
-                      </a:rPr>
-                      <m:t>𝑏</m:t>
-                    </m:r>
-                  </m:oMath>
-                </a14:m>
-                <a:r>
-                  <a:rPr lang="en-US" dirty="0"/>
-                  <a:t>) as </a:t>
-                </a:r>
-              </a:p>
-              <a:p>
-                <a:pPr marL="0" indent="0">
-                  <a:buNone/>
-                </a:pPr>
-                <a14:m>
-                  <m:oMathPara xmlns:m="http://schemas.openxmlformats.org/officeDocument/2006/math">
-                    <m:oMathParaPr>
-                      <m:jc m:val="centerGroup"/>
-                    </m:oMathParaPr>
-                    <m:oMath xmlns:m="http://schemas.openxmlformats.org/officeDocument/2006/math">
-                      <m:r>
-                        <a:rPr lang="en-US" b="0" i="1" smtClean="0">
-                          <a:latin typeface="Cambria Math" panose="02040503050406030204" pitchFamily="18" charset="0"/>
-                        </a:rPr>
-                        <m:t>𝐽</m:t>
-                      </m:r>
-                      <m:d>
-                        <m:dPr>
-                          <m:ctrlPr>
-                            <a:rPr lang="en-US" b="0" i="1" smtClean="0">
-                              <a:latin typeface="Cambria Math" panose="02040503050406030204" pitchFamily="18" charset="0"/>
-                            </a:rPr>
-                          </m:ctrlPr>
-                        </m:dPr>
-                        <m:e>
-                          <m:r>
-                            <a:rPr lang="en-US" b="1" i="1" smtClean="0">
-                              <a:latin typeface="Cambria Math" panose="02040503050406030204" pitchFamily="18" charset="0"/>
-                            </a:rPr>
-                            <m:t>𝒘</m:t>
-                          </m:r>
-                        </m:e>
-                      </m:d>
-                      <m:r>
-                        <a:rPr lang="en-US" b="0" i="1" smtClean="0">
-                          <a:latin typeface="Cambria Math" panose="02040503050406030204" pitchFamily="18" charset="0"/>
-                        </a:rPr>
-                        <m:t>=</m:t>
-                      </m:r>
-                      <m:f>
-                        <m:fPr>
-                          <m:ctrlPr>
-                            <a:rPr lang="en-US" b="0" i="1" smtClean="0">
-                              <a:latin typeface="Cambria Math" panose="02040503050406030204" pitchFamily="18" charset="0"/>
-                            </a:rPr>
-                          </m:ctrlPr>
-                        </m:fPr>
-                        <m:num>
-                          <m:r>
-                            <a:rPr lang="en-US" b="0" i="1" smtClean="0">
-                              <a:latin typeface="Cambria Math" panose="02040503050406030204" pitchFamily="18" charset="0"/>
-                            </a:rPr>
-                            <m:t>1</m:t>
-                          </m:r>
-                        </m:num>
-                        <m:den>
-                          <m:r>
-                            <a:rPr lang="en-US" b="0" i="1" smtClean="0">
-                              <a:latin typeface="Cambria Math" panose="02040503050406030204" pitchFamily="18" charset="0"/>
-                            </a:rPr>
-                            <m:t>2</m:t>
-                          </m:r>
-                        </m:den>
-                      </m:f>
-                      <m:sSup>
-                        <m:sSupPr>
-                          <m:ctrlPr>
-                            <a:rPr lang="en-US" b="0" i="1" smtClean="0">
-                              <a:latin typeface="Cambria Math" panose="02040503050406030204" pitchFamily="18" charset="0"/>
-                            </a:rPr>
-                          </m:ctrlPr>
-                        </m:sSupPr>
-                        <m:e>
-                          <m:r>
-                            <a:rPr lang="en-US" b="1" i="1" smtClean="0">
-                              <a:latin typeface="Cambria Math" panose="02040503050406030204" pitchFamily="18" charset="0"/>
-                            </a:rPr>
-                            <m:t>𝒘</m:t>
-                          </m:r>
-                        </m:e>
-                        <m:sup>
-                          <m:r>
-                            <a:rPr lang="en-US" b="0" i="1" smtClean="0">
-                              <a:latin typeface="Cambria Math" panose="02040503050406030204" pitchFamily="18" charset="0"/>
-                            </a:rPr>
-                            <m:t>𝑇</m:t>
-                          </m:r>
-                        </m:sup>
-                      </m:sSup>
-                      <m:r>
-                        <a:rPr lang="en-US" b="0" i="1" smtClean="0">
-                          <a:latin typeface="Cambria Math" panose="02040503050406030204" pitchFamily="18" charset="0"/>
-                        </a:rPr>
-                        <m:t>𝐴</m:t>
-                      </m:r>
-                      <m:r>
-                        <a:rPr lang="en-US" b="1" i="1" smtClean="0">
-                          <a:latin typeface="Cambria Math" panose="02040503050406030204" pitchFamily="18" charset="0"/>
-                        </a:rPr>
-                        <m:t>𝒘</m:t>
-                      </m:r>
-                      <m:r>
-                        <a:rPr lang="en-US" b="0" i="1" smtClean="0">
-                          <a:latin typeface="Cambria Math" panose="02040503050406030204" pitchFamily="18" charset="0"/>
-                        </a:rPr>
-                        <m:t>+</m:t>
-                      </m:r>
-                      <m:sSup>
-                        <m:sSupPr>
-                          <m:ctrlPr>
-                            <a:rPr lang="en-US" b="0" i="1" smtClean="0">
-                              <a:latin typeface="Cambria Math" panose="02040503050406030204" pitchFamily="18" charset="0"/>
-                            </a:rPr>
-                          </m:ctrlPr>
-                        </m:sSupPr>
-                        <m:e>
-                          <m:r>
-                            <a:rPr lang="en-US" b="1" i="1" smtClean="0">
-                              <a:latin typeface="Cambria Math" panose="02040503050406030204" pitchFamily="18" charset="0"/>
-                            </a:rPr>
-                            <m:t>𝒓</m:t>
-                          </m:r>
-                        </m:e>
-                        <m:sup>
-                          <m:r>
-                            <a:rPr lang="en-US" b="0" i="1" smtClean="0">
-                              <a:latin typeface="Cambria Math" panose="02040503050406030204" pitchFamily="18" charset="0"/>
-                            </a:rPr>
-                            <m:t>𝑇</m:t>
-                          </m:r>
-                        </m:sup>
-                      </m:sSup>
-                      <m:r>
-                        <a:rPr lang="en-US" b="1" i="1" smtClean="0">
-                          <a:latin typeface="Cambria Math" panose="02040503050406030204" pitchFamily="18" charset="0"/>
-                        </a:rPr>
-                        <m:t>𝒘</m:t>
-                      </m:r>
-                      <m:r>
-                        <a:rPr lang="en-US" b="0" i="1" smtClean="0">
-                          <a:latin typeface="Cambria Math" panose="02040503050406030204" pitchFamily="18" charset="0"/>
-                        </a:rPr>
-                        <m:t>+</m:t>
-                      </m:r>
-                      <m:r>
-                        <a:rPr lang="en-US" b="0" i="1" smtClean="0">
-                          <a:latin typeface="Cambria Math" panose="02040503050406030204" pitchFamily="18" charset="0"/>
-                        </a:rPr>
-                        <m:t>𝑐</m:t>
-                      </m:r>
-                      <m:r>
-                        <a:rPr lang="en-US" b="0" i="1" smtClean="0">
-                          <a:latin typeface="Cambria Math" panose="02040503050406030204" pitchFamily="18" charset="0"/>
-                        </a:rPr>
-                        <m:t>,</m:t>
-                      </m:r>
-                    </m:oMath>
-                  </m:oMathPara>
-                </a14:m>
-                <a:endParaRPr lang="en-US" b="0" dirty="0"/>
-              </a:p>
-              <a:p>
-                <a:pPr marL="0" indent="0">
-                  <a:buNone/>
-                </a:pPr>
-                <a:r>
-                  <a:rPr lang="en-US" dirty="0"/>
-                  <a:t>where </a:t>
-                </a:r>
-                <a14:m>
-                  <m:oMath xmlns:m="http://schemas.openxmlformats.org/officeDocument/2006/math">
-                    <m:r>
-                      <a:rPr lang="en-US" b="0" i="1" smtClean="0">
-                        <a:latin typeface="Cambria Math" panose="02040503050406030204" pitchFamily="18" charset="0"/>
-                      </a:rPr>
-                      <m:t>𝐴</m:t>
-                    </m:r>
-                    <m:r>
-                      <a:rPr lang="en-US" b="0" i="1" smtClean="0">
-                        <a:latin typeface="Cambria Math" panose="02040503050406030204" pitchFamily="18" charset="0"/>
-                      </a:rPr>
-                      <m:t>=</m:t>
-                    </m:r>
-                    <m:r>
-                      <a:rPr lang="en-US" b="0" i="1" smtClean="0">
-                        <a:latin typeface="Cambria Math" panose="02040503050406030204" pitchFamily="18" charset="0"/>
-                      </a:rPr>
-                      <m:t>2</m:t>
-                    </m:r>
-                    <m:d>
-                      <m:dPr>
-                        <m:ctrlPr>
-                          <a:rPr lang="en-US" b="0" i="1" smtClean="0">
-                            <a:latin typeface="Cambria Math" panose="02040503050406030204" pitchFamily="18" charset="0"/>
-                          </a:rPr>
-                        </m:ctrlPr>
-                      </m:dPr>
-                      <m:e>
-                        <m:sSup>
-                          <m:sSupPr>
-                            <m:ctrlPr>
-                              <a:rPr lang="en-US" b="0" i="1" smtClean="0">
-                                <a:latin typeface="Cambria Math" panose="02040503050406030204" pitchFamily="18" charset="0"/>
-                              </a:rPr>
-                            </m:ctrlPr>
-                          </m:sSupPr>
-                          <m:e>
-                            <m:acc>
-                              <m:accPr>
-                                <m:chr m:val="̃"/>
-                                <m:ctrlPr>
-                                  <a:rPr lang="en-US" b="0" i="1" smtClean="0">
-                                    <a:latin typeface="Cambria Math" panose="02040503050406030204" pitchFamily="18" charset="0"/>
-                                  </a:rPr>
-                                </m:ctrlPr>
-                              </m:accPr>
-                              <m:e>
-                                <m:r>
-                                  <a:rPr lang="en-US" b="0" i="1" smtClean="0">
-                                    <a:latin typeface="Cambria Math" panose="02040503050406030204" pitchFamily="18" charset="0"/>
-                                  </a:rPr>
-                                  <m:t>𝑋</m:t>
-                                </m:r>
-                              </m:e>
-                            </m:acc>
-                          </m:e>
-                          <m:sup>
-                            <m:r>
-                              <a:rPr lang="en-US" b="0" i="1" smtClean="0">
-                                <a:latin typeface="Cambria Math" panose="02040503050406030204" pitchFamily="18" charset="0"/>
-                              </a:rPr>
-                              <m:t>𝑇</m:t>
-                            </m:r>
-                          </m:sup>
-                        </m:sSup>
-                        <m:acc>
-                          <m:accPr>
-                            <m:chr m:val="̃"/>
-                            <m:ctrlPr>
-                              <a:rPr lang="en-US" i="1">
-                                <a:latin typeface="Cambria Math" panose="02040503050406030204" pitchFamily="18" charset="0"/>
-                              </a:rPr>
-                            </m:ctrlPr>
-                          </m:accPr>
-                          <m:e>
-                            <m:r>
-                              <a:rPr lang="en-US" i="1">
-                                <a:latin typeface="Cambria Math" panose="02040503050406030204" pitchFamily="18" charset="0"/>
-                              </a:rPr>
-                              <m:t>𝑋</m:t>
-                            </m:r>
-                          </m:e>
-                        </m:acc>
-                        <m:r>
-                          <a:rPr lang="en-US" b="0" i="1" smtClean="0">
-                            <a:latin typeface="Cambria Math" panose="02040503050406030204" pitchFamily="18" charset="0"/>
-                          </a:rPr>
-                          <m:t>+</m:t>
-                        </m:r>
-                        <m:r>
-                          <a:rPr lang="en-US" b="0" i="1" smtClean="0">
-                            <a:latin typeface="Cambria Math" panose="02040503050406030204" pitchFamily="18" charset="0"/>
-                          </a:rPr>
-                          <m:t>𝑛</m:t>
-                        </m:r>
-                        <m:r>
-                          <a:rPr lang="en-US" b="0" i="1" smtClean="0">
-                            <a:latin typeface="Cambria Math" panose="02040503050406030204" pitchFamily="18" charset="0"/>
-                          </a:rPr>
-                          <m:t>𝜆</m:t>
-                        </m:r>
-                        <m:r>
-                          <a:rPr lang="en-US" b="0" i="1" smtClean="0">
-                            <a:latin typeface="Cambria Math" panose="02040503050406030204" pitchFamily="18" charset="0"/>
-                          </a:rPr>
-                          <m:t>𝐼</m:t>
-                        </m:r>
-                      </m:e>
-                    </m:d>
-                  </m:oMath>
-                </a14:m>
-                <a:r>
-                  <a:rPr lang="en-US" dirty="0"/>
-                  <a:t>, </a:t>
-                </a:r>
-                <a14:m>
-                  <m:oMath xmlns:m="http://schemas.openxmlformats.org/officeDocument/2006/math">
-                    <m:r>
-                      <a:rPr lang="en-US" b="0" i="1" smtClean="0">
-                        <a:latin typeface="Cambria Math" panose="02040503050406030204" pitchFamily="18" charset="0"/>
-                      </a:rPr>
-                      <m:t>𝑟</m:t>
-                    </m:r>
-                    <m:r>
-                      <a:rPr lang="en-US" b="0" i="1" smtClean="0">
-                        <a:latin typeface="Cambria Math" panose="02040503050406030204" pitchFamily="18" charset="0"/>
-                      </a:rPr>
-                      <m:t>=−</m:t>
-                    </m:r>
-                    <m:r>
-                      <a:rPr lang="en-US" b="0" i="1" smtClean="0">
-                        <a:latin typeface="Cambria Math" panose="02040503050406030204" pitchFamily="18" charset="0"/>
-                      </a:rPr>
-                      <m:t>2</m:t>
-                    </m:r>
-                    <m:sSup>
-                      <m:sSupPr>
-                        <m:ctrlPr>
-                          <a:rPr lang="en-US" b="0" i="1" smtClean="0">
-                            <a:latin typeface="Cambria Math" panose="02040503050406030204" pitchFamily="18" charset="0"/>
-                          </a:rPr>
-                        </m:ctrlPr>
-                      </m:sSupPr>
-                      <m:e>
-                        <m:acc>
-                          <m:accPr>
-                            <m:chr m:val="̃"/>
-                            <m:ctrlPr>
-                              <a:rPr lang="en-US" b="0" i="1" smtClean="0">
-                                <a:latin typeface="Cambria Math" panose="02040503050406030204" pitchFamily="18" charset="0"/>
-                              </a:rPr>
-                            </m:ctrlPr>
-                          </m:accPr>
-                          <m:e>
-                            <m:r>
-                              <a:rPr lang="en-US" b="0" i="1" smtClean="0">
-                                <a:latin typeface="Cambria Math" panose="02040503050406030204" pitchFamily="18" charset="0"/>
-                              </a:rPr>
-                              <m:t>𝑋</m:t>
-                            </m:r>
-                          </m:e>
-                        </m:acc>
-                      </m:e>
-                      <m:sup>
-                        <m:r>
-                          <a:rPr lang="en-US" b="0" i="1" smtClean="0">
-                            <a:latin typeface="Cambria Math" panose="02040503050406030204" pitchFamily="18" charset="0"/>
-                          </a:rPr>
-                          <m:t>𝑇</m:t>
-                        </m:r>
-                      </m:sup>
-                    </m:sSup>
-                    <m:acc>
-                      <m:accPr>
-                        <m:chr m:val="̃"/>
-                        <m:ctrlPr>
-                          <a:rPr lang="en-US" b="0" i="1" smtClean="0">
-                            <a:latin typeface="Cambria Math" panose="02040503050406030204" pitchFamily="18" charset="0"/>
-                          </a:rPr>
-                        </m:ctrlPr>
-                      </m:accPr>
-                      <m:e>
-                        <m:r>
-                          <a:rPr lang="en-US" b="1" i="1" smtClean="0">
-                            <a:latin typeface="Cambria Math" panose="02040503050406030204" pitchFamily="18" charset="0"/>
-                          </a:rPr>
-                          <m:t>𝒚</m:t>
-                        </m:r>
-                      </m:e>
-                    </m:acc>
-                  </m:oMath>
-                </a14:m>
-                <a:r>
-                  <a:rPr lang="en-US" dirty="0"/>
-                  <a:t>, and </a:t>
-                </a:r>
-                <a14:m>
-                  <m:oMath xmlns:m="http://schemas.openxmlformats.org/officeDocument/2006/math">
-                    <m:r>
-                      <a:rPr lang="en-US" b="0" i="1" smtClean="0">
-                        <a:latin typeface="Cambria Math" panose="02040503050406030204" pitchFamily="18" charset="0"/>
-                      </a:rPr>
-                      <m:t>𝑐</m:t>
-                    </m:r>
-                    <m:r>
-                      <a:rPr lang="en-US" b="0" i="1" smtClean="0">
-                        <a:latin typeface="Cambria Math" panose="02040503050406030204" pitchFamily="18" charset="0"/>
-                      </a:rPr>
-                      <m:t>=</m:t>
-                    </m:r>
-                    <m:sSup>
-                      <m:sSupPr>
-                        <m:ctrlPr>
-                          <a:rPr lang="en-US" b="0" i="1" dirty="0" smtClean="0">
-                            <a:latin typeface="Cambria Math" panose="02040503050406030204" pitchFamily="18" charset="0"/>
-                          </a:rPr>
-                        </m:ctrlPr>
-                      </m:sSupPr>
-                      <m:e>
-                        <m:acc>
-                          <m:accPr>
-                            <m:chr m:val="̃"/>
-                            <m:ctrlPr>
-                              <a:rPr lang="en-US" b="0" i="1" smtClean="0">
-                                <a:latin typeface="Cambria Math" panose="02040503050406030204" pitchFamily="18" charset="0"/>
-                              </a:rPr>
-                            </m:ctrlPr>
-                          </m:accPr>
-                          <m:e>
-                            <m:r>
-                              <a:rPr lang="en-US" b="1" i="1" smtClean="0">
-                                <a:latin typeface="Cambria Math" panose="02040503050406030204" pitchFamily="18" charset="0"/>
-                              </a:rPr>
-                              <m:t>𝒚</m:t>
-                            </m:r>
-                          </m:e>
-                        </m:acc>
-                      </m:e>
-                      <m:sup>
-                        <m:r>
-                          <a:rPr lang="en-US" b="0" i="1" dirty="0" smtClean="0">
-                            <a:latin typeface="Cambria Math" panose="02040503050406030204" pitchFamily="18" charset="0"/>
-                          </a:rPr>
-                          <m:t>𝑇</m:t>
-                        </m:r>
-                      </m:sup>
-                    </m:sSup>
-                    <m:acc>
-                      <m:accPr>
-                        <m:chr m:val="̃"/>
-                        <m:ctrlPr>
-                          <a:rPr lang="en-US" b="0" i="1" dirty="0" smtClean="0">
-                            <a:latin typeface="Cambria Math" panose="02040503050406030204" pitchFamily="18" charset="0"/>
-                          </a:rPr>
-                        </m:ctrlPr>
-                      </m:accPr>
-                      <m:e>
-                        <m:r>
-                          <a:rPr lang="en-US" b="1" i="1" dirty="0" smtClean="0">
-                            <a:latin typeface="Cambria Math" panose="02040503050406030204" pitchFamily="18" charset="0"/>
-                          </a:rPr>
-                          <m:t>𝒚</m:t>
-                        </m:r>
-                      </m:e>
-                    </m:acc>
-                    <m:r>
-                      <a:rPr lang="en-US" b="0" i="1" dirty="0" smtClean="0">
-                        <a:latin typeface="Cambria Math" panose="02040503050406030204" pitchFamily="18" charset="0"/>
-                      </a:rPr>
-                      <m:t>.</m:t>
-                    </m:r>
-                  </m:oMath>
-                </a14:m>
-                <a:endParaRPr lang="en-US" dirty="0"/>
-              </a:p>
-              <a:p>
-                <a:pPr marL="514350" indent="-514350">
-                  <a:buFont typeface="+mj-lt"/>
-                  <a:buAutoNum type="arabicPeriod"/>
-                </a:pPr>
-                <a:r>
-                  <a:rPr lang="en-US" dirty="0"/>
-                  <a:t>Verify that </a:t>
-                </a:r>
-                <a14:m>
-                  <m:oMath xmlns:m="http://schemas.openxmlformats.org/officeDocument/2006/math">
-                    <m:r>
-                      <a:rPr lang="en-US" b="0" i="1" smtClean="0">
-                        <a:latin typeface="Cambria Math" panose="02040503050406030204" pitchFamily="18" charset="0"/>
-                      </a:rPr>
-                      <m:t>𝐴</m:t>
-                    </m:r>
-                  </m:oMath>
-                </a14:m>
-                <a:r>
-                  <a:rPr lang="en-US" dirty="0"/>
-                  <a:t> is PSD if </a:t>
-                </a:r>
-                <a14:m>
-                  <m:oMath xmlns:m="http://schemas.openxmlformats.org/officeDocument/2006/math">
-                    <m:r>
-                      <a:rPr lang="en-US" b="0" i="1" smtClean="0">
-                        <a:latin typeface="Cambria Math" panose="02040503050406030204" pitchFamily="18" charset="0"/>
-                      </a:rPr>
-                      <m:t>𝜆</m:t>
-                    </m:r>
-                    <m:r>
-                      <a:rPr lang="en-US" b="0" i="1" smtClean="0">
-                        <a:latin typeface="Cambria Math" panose="02040503050406030204" pitchFamily="18" charset="0"/>
-                      </a:rPr>
-                      <m:t>≥</m:t>
-                    </m:r>
-                    <m:r>
-                      <a:rPr lang="en-US" b="0" i="1" smtClean="0">
-                        <a:latin typeface="Cambria Math" panose="02040503050406030204" pitchFamily="18" charset="0"/>
-                      </a:rPr>
-                      <m:t>0</m:t>
-                    </m:r>
-                  </m:oMath>
-                </a14:m>
-                <a:r>
-                  <a:rPr lang="en-US" dirty="0"/>
-                  <a:t> and PD if </a:t>
-                </a:r>
-                <a14:m>
-                  <m:oMath xmlns:m="http://schemas.openxmlformats.org/officeDocument/2006/math">
-                    <m:r>
-                      <a:rPr lang="en-US" b="0" i="1" smtClean="0">
-                        <a:latin typeface="Cambria Math" panose="02040503050406030204" pitchFamily="18" charset="0"/>
-                      </a:rPr>
-                      <m:t>𝜆</m:t>
-                    </m:r>
-                    <m:r>
-                      <a:rPr lang="en-US" b="0" i="1" smtClean="0">
-                        <a:latin typeface="Cambria Math" panose="02040503050406030204" pitchFamily="18" charset="0"/>
-                      </a:rPr>
-                      <m:t>&gt;</m:t>
-                    </m:r>
-                    <m:r>
-                      <a:rPr lang="en-US" b="0" i="1" smtClean="0">
-                        <a:latin typeface="Cambria Math" panose="02040503050406030204" pitchFamily="18" charset="0"/>
-                      </a:rPr>
-                      <m:t>0</m:t>
-                    </m:r>
-                  </m:oMath>
-                </a14:m>
-                <a:endParaRPr lang="en-US" dirty="0"/>
-              </a:p>
-              <a:p>
-                <a:pPr marL="514350" indent="-514350">
-                  <a:buFont typeface="+mj-lt"/>
-                  <a:buAutoNum type="arabicPeriod"/>
-                </a:pPr>
-                <a:r>
-                  <a:rPr lang="en-US" dirty="0"/>
-                  <a:t>Determine a minimizer</a:t>
-                </a:r>
-              </a:p>
-              <a:p>
-                <a:pPr marL="514350" indent="-514350">
-                  <a:buFont typeface="+mj-lt"/>
-                  <a:buAutoNum type="arabicPeriod"/>
-                </a:pPr>
-                <a:r>
-                  <a:rPr lang="en-US" dirty="0"/>
-                  <a:t>Explain why regularization is necessary when </a:t>
-                </a:r>
-                <a14:m>
-                  <m:oMath xmlns:m="http://schemas.openxmlformats.org/officeDocument/2006/math">
-                    <m:r>
-                      <a:rPr lang="en-US" b="0" i="1" smtClean="0">
-                        <a:latin typeface="Cambria Math" panose="02040503050406030204" pitchFamily="18" charset="0"/>
-                      </a:rPr>
-                      <m:t>𝑑</m:t>
-                    </m:r>
-                    <m:r>
-                      <a:rPr lang="en-US" b="0" i="1" smtClean="0">
-                        <a:latin typeface="Cambria Math" panose="02040503050406030204" pitchFamily="18" charset="0"/>
-                      </a:rPr>
-                      <m:t>&gt;</m:t>
-                    </m:r>
-                    <m:r>
-                      <a:rPr lang="en-US" b="0" i="1" smtClean="0">
-                        <a:latin typeface="Cambria Math" panose="02040503050406030204" pitchFamily="18" charset="0"/>
-                      </a:rPr>
-                      <m:t>𝑛</m:t>
-                    </m:r>
-                  </m:oMath>
-                </a14:m>
-                <a:endParaRPr lang="en-US" dirty="0"/>
-              </a:p>
-            </p:txBody>
-          </p:sp>
-        </mc:Choice>
-        <mc:Fallback xmlns="">
-          <p:sp>
-            <p:nvSpPr>
-              <p:cNvPr id="2" name="Content Placeholder 1"/>
-              <p:cNvSpPr>
-                <a:spLocks noGrp="1" noRot="1" noChangeAspect="1" noMove="1" noResize="1" noEditPoints="1" noAdjustHandles="1" noChangeArrowheads="1" noChangeShapeType="1" noTextEdit="1"/>
-              </p:cNvSpPr>
-              <p:nvPr>
-                <p:ph idx="1"/>
-              </p:nvPr>
-            </p:nvSpPr>
-            <p:spPr>
-              <a:blipFill>
-                <a:blip r:embed="rId2"/>
-                <a:stretch>
-                  <a:fillRect l="-1451" t="-2029" r="-1935"/>
-                </a:stretch>
-              </a:blipFill>
-            </p:spPr>
-            <p:txBody>
-              <a:bodyPr/>
-              <a:lstStyle/>
-              <a:p>
-                <a:r>
-                  <a:rPr lang="en-US">
-                    <a:noFill/>
-                  </a:rPr>
-                  <a:t> </a:t>
-                </a:r>
-              </a:p>
-            </p:txBody>
-          </p:sp>
-        </mc:Fallback>
-      </mc:AlternateContent>
-      <p:sp>
-        <p:nvSpPr>
-          <p:cNvPr id="3" name="Title 2"/>
-          <p:cNvSpPr>
-            <a:spLocks noGrp="1"/>
-          </p:cNvSpPr>
-          <p:nvPr>
-            <p:ph type="title"/>
-          </p:nvPr>
-        </p:nvSpPr>
-        <p:spPr/>
-        <p:txBody>
-          <a:bodyPr>
-            <a:normAutofit fontScale="90000"/>
-          </a:bodyPr>
-          <a:lstStyle/>
-          <a:p>
-            <a:r>
-              <a:rPr lang="en-US" dirty="0">
-                <a:solidFill>
-                  <a:srgbClr val="FF0000"/>
-                </a:solidFill>
-              </a:rPr>
-              <a:t>Group Exercise – NOT USED, MAYBE USEFUL AS A PART OF AN ASSIGNMENT QUESTION</a:t>
-            </a:r>
-          </a:p>
-        </p:txBody>
-      </p:sp>
-    </p:spTree>
-    <p:extLst>
-      <p:ext uri="{BB962C8B-B14F-4D97-AF65-F5344CB8AC3E}">
-        <p14:creationId xmlns:p14="http://schemas.microsoft.com/office/powerpoint/2010/main" val="587956725"/>
-      </p:ext>
-    </p:extLst>
-  </p:cSld>
-  <p:clrMapOvr>
-    <a:masterClrMapping/>
-  </p:clrMapOvr>
-</p:sld>
-</file>
-
-<file path=ppt/slides/slide21.xml><?xml version="1.0" encoding="utf-8"?>
 <p:sld xmlns:a="http://schemas.openxmlformats.org/drawingml/2006/main" xmlns:r="http://schemas.openxmlformats.org/officeDocument/2006/relationships" xmlns:p="http://schemas.openxmlformats.org/presentationml/2006/main">
   <p:cSld>
     <p:spTree>
@@ -9976,7 +9273,7 @@
 </p:sld>
 </file>
 
-<file path=ppt/slides/slide22.xml><?xml version="1.0" encoding="utf-8"?>
+<file path=ppt/slides/slide21.xml><?xml version="1.0" encoding="utf-8"?>
 <p:sld xmlns:a="http://schemas.openxmlformats.org/drawingml/2006/main" xmlns:r="http://schemas.openxmlformats.org/officeDocument/2006/relationships" xmlns:p="http://schemas.openxmlformats.org/presentationml/2006/main">
   <p:cSld>
     <p:spTree>
@@ -10264,7 +9561,7 @@
 </p:sld>
 </file>
 
-<file path=ppt/slides/slide23.xml><?xml version="1.0" encoding="utf-8"?>
+<file path=ppt/slides/slide22.xml><?xml version="1.0" encoding="utf-8"?>
 <p:sld xmlns:a="http://schemas.openxmlformats.org/drawingml/2006/main" xmlns:r="http://schemas.openxmlformats.org/officeDocument/2006/relationships" xmlns:p="http://schemas.openxmlformats.org/presentationml/2006/main">
   <p:cSld>
     <p:spTree>
@@ -10415,7 +9712,7 @@
 </p:sld>
 </file>
 
-<file path=ppt/slides/slide24.xml><?xml version="1.0" encoding="utf-8"?>
+<file path=ppt/slides/slide23.xml><?xml version="1.0" encoding="utf-8"?>
 <p:sld xmlns:a="http://schemas.openxmlformats.org/drawingml/2006/main" xmlns:r="http://schemas.openxmlformats.org/officeDocument/2006/relationships" xmlns:p="http://schemas.openxmlformats.org/presentationml/2006/main">
   <p:cSld>
     <p:spTree>
@@ -10470,7 +9767,7 @@
 </p:sld>
 </file>
 
-<file path=ppt/slides/slide25.xml><?xml version="1.0" encoding="utf-8"?>
+<file path=ppt/slides/slide24.xml><?xml version="1.0" encoding="utf-8"?>
 <p:sld xmlns:a="http://schemas.openxmlformats.org/drawingml/2006/main" xmlns:r="http://schemas.openxmlformats.org/officeDocument/2006/relationships" xmlns:p="http://schemas.openxmlformats.org/presentationml/2006/main">
   <p:cSld>
     <p:spTree>
@@ -11023,7 +10320,7 @@
 </p:sld>
 </file>
 
-<file path=ppt/slides/slide26.xml><?xml version="1.0" encoding="utf-8"?>
+<file path=ppt/slides/slide25.xml><?xml version="1.0" encoding="utf-8"?>
 <p:sld xmlns:a="http://schemas.openxmlformats.org/drawingml/2006/main" xmlns:r="http://schemas.openxmlformats.org/officeDocument/2006/relationships" xmlns:p="http://schemas.openxmlformats.org/presentationml/2006/main">
   <p:cSld>
     <p:spTree>
@@ -13184,7 +12481,7 @@
 </p:sld>
 </file>
 
-<file path=ppt/slides/slide27.xml><?xml version="1.0" encoding="utf-8"?>
+<file path=ppt/slides/slide26.xml><?xml version="1.0" encoding="utf-8"?>
 <p:sld xmlns:a="http://schemas.openxmlformats.org/drawingml/2006/main" xmlns:r="http://schemas.openxmlformats.org/officeDocument/2006/relationships" xmlns:p="http://schemas.openxmlformats.org/presentationml/2006/main">
   <p:cSld>
     <p:spTree>
@@ -15023,7 +14320,7 @@
 </p:sld>
 </file>
 
-<file path=ppt/slides/slide28.xml><?xml version="1.0" encoding="utf-8"?>
+<file path=ppt/slides/slide27.xml><?xml version="1.0" encoding="utf-8"?>
 <p:sld xmlns:a="http://schemas.openxmlformats.org/drawingml/2006/main" xmlns:r="http://schemas.openxmlformats.org/officeDocument/2006/relationships" xmlns:p="http://schemas.openxmlformats.org/presentationml/2006/main">
   <p:cSld>
     <p:spTree>
@@ -15237,7 +14534,7 @@
 </p:sld>
 </file>
 
-<file path=ppt/slides/slide29.xml><?xml version="1.0" encoding="utf-8"?>
+<file path=ppt/slides/slide28.xml><?xml version="1.0" encoding="utf-8"?>
 <p:sld xmlns:a="http://schemas.openxmlformats.org/drawingml/2006/main" xmlns:r="http://schemas.openxmlformats.org/officeDocument/2006/relationships" xmlns:p="http://schemas.openxmlformats.org/presentationml/2006/main">
   <p:cSld>
     <p:spTree>
@@ -15672,211 +14969,7 @@
 </p:sld>
 </file>
 
-<file path=ppt/slides/slide3.xml><?xml version="1.0" encoding="utf-8"?>
-<p:sld xmlns:a="http://schemas.openxmlformats.org/drawingml/2006/main" xmlns:r="http://schemas.openxmlformats.org/officeDocument/2006/relationships" xmlns:p="http://schemas.openxmlformats.org/presentationml/2006/main">
-  <p:cSld>
-    <p:spTree>
-      <p:nvGrpSpPr>
-        <p:cNvPr id="1" name=""/>
-        <p:cNvGrpSpPr/>
-        <p:nvPr/>
-      </p:nvGrpSpPr>
-      <p:grpSpPr>
-        <a:xfrm>
-          <a:off x="0" y="0"/>
-          <a:ext cx="0" cy="0"/>
-          <a:chOff x="0" y="0"/>
-          <a:chExt cx="0" cy="0"/>
-        </a:xfrm>
-      </p:grpSpPr>
-      <p:sp>
-        <p:nvSpPr>
-          <p:cNvPr id="178" name="Linear Regression"/>
-          <p:cNvSpPr txBox="1">
-            <a:spLocks noGrp="1"/>
-          </p:cNvSpPr>
-          <p:nvPr>
-            <p:ph type="title"/>
-          </p:nvPr>
-        </p:nvSpPr>
-        <p:spPr>
-          <a:prstGeom prst="rect">
-            <a:avLst/>
-          </a:prstGeom>
-        </p:spPr>
-        <p:txBody>
-          <a:bodyPr/>
-          <a:lstStyle/>
-          <a:p>
-            <a:r>
-              <a:t>Linear Regression</a:t>
-            </a:r>
-          </a:p>
-        </p:txBody>
-      </p:sp>
-      <p:sp>
-        <p:nvSpPr>
-          <p:cNvPr id="179" name="Linear regression is a supervised learning approach for predicting a quantitative response…"/>
-          <p:cNvSpPr txBox="1">
-            <a:spLocks noGrp="1"/>
-          </p:cNvSpPr>
-          <p:nvPr>
-            <p:ph type="body" idx="1"/>
-          </p:nvPr>
-        </p:nvSpPr>
-        <p:spPr>
-          <a:prstGeom prst="rect">
-            <a:avLst/>
-          </a:prstGeom>
-        </p:spPr>
-        <p:txBody>
-          <a:bodyPr/>
-          <a:lstStyle/>
-          <a:p>
-            <a:pPr>
-              <a:buClr>
-                <a:srgbClr val="009193"/>
-              </a:buClr>
-              <a:buChar char="‣"/>
-              <a:defRPr>
-                <a:latin typeface="Helvetica Neue Light"/>
-                <a:ea typeface="Helvetica Neue Light"/>
-                <a:cs typeface="Helvetica Neue Light"/>
-                <a:sym typeface="Helvetica Neue Light"/>
-              </a:defRPr>
-            </a:pPr>
-            <a:r>
-              <a:rPr dirty="0"/>
-              <a:t>Linear regression is a </a:t>
-            </a:r>
-            <a:r>
-              <a:rPr b="1" dirty="0">
-                <a:solidFill>
-                  <a:srgbClr val="00B050"/>
-                </a:solidFill>
-                <a:latin typeface="Helvetica Neue"/>
-                <a:ea typeface="Helvetica Neue"/>
-                <a:cs typeface="Helvetica Neue"/>
-                <a:sym typeface="Helvetica Neue"/>
-              </a:rPr>
-              <a:t>supervised</a:t>
-            </a:r>
-            <a:r>
-              <a:rPr dirty="0"/>
-              <a:t> learning approach for </a:t>
-            </a:r>
-            <a:r>
-              <a:rPr dirty="0">
-                <a:solidFill>
-                  <a:srgbClr val="009193"/>
-                </a:solidFill>
-              </a:rPr>
-              <a:t>predicting</a:t>
-            </a:r>
-            <a:r>
-              <a:rPr dirty="0"/>
-              <a:t> a </a:t>
-            </a:r>
-            <a:r>
-              <a:rPr b="1" dirty="0">
-                <a:solidFill>
-                  <a:srgbClr val="FF7E79"/>
-                </a:solidFill>
-                <a:latin typeface="Helvetica Neue"/>
-                <a:ea typeface="Helvetica Neue"/>
-                <a:cs typeface="Helvetica Neue"/>
-                <a:sym typeface="Helvetica Neue"/>
-              </a:rPr>
-              <a:t>quantitative</a:t>
-            </a:r>
-            <a:r>
-              <a:rPr dirty="0"/>
-              <a:t> response</a:t>
-            </a:r>
-          </a:p>
-          <a:p>
-            <a:pPr>
-              <a:buClr>
-                <a:srgbClr val="009193"/>
-              </a:buClr>
-              <a:buChar char="‣"/>
-              <a:defRPr>
-                <a:latin typeface="Helvetica Neue Light"/>
-                <a:ea typeface="Helvetica Neue Light"/>
-                <a:cs typeface="Helvetica Neue Light"/>
-                <a:sym typeface="Helvetica Neue Light"/>
-              </a:defRPr>
-            </a:pPr>
-            <a:r>
-              <a:rPr dirty="0"/>
-              <a:t>Linear regression has been around for a long time</a:t>
-            </a:r>
-          </a:p>
-          <a:p>
-            <a:pPr marL="705403" lvl="2">
-              <a:buClr>
-                <a:srgbClr val="009193"/>
-              </a:buClr>
-              <a:defRPr>
-                <a:latin typeface="Helvetica Neue Light"/>
-                <a:ea typeface="Helvetica Neue Light"/>
-                <a:cs typeface="Helvetica Neue Light"/>
-                <a:sym typeface="Helvetica Neue Light"/>
-              </a:defRPr>
-            </a:pPr>
-            <a:r>
-              <a:rPr dirty="0"/>
-              <a:t>Still very widely used</a:t>
-            </a:r>
-            <a:endParaRPr lang="en-US" dirty="0"/>
-          </a:p>
-          <a:p>
-            <a:pPr marL="705403" lvl="2">
-              <a:buClr>
-                <a:srgbClr val="009193"/>
-              </a:buClr>
-              <a:defRPr>
-                <a:latin typeface="Helvetica Neue Light"/>
-                <a:ea typeface="Helvetica Neue Light"/>
-                <a:cs typeface="Helvetica Neue Light"/>
-                <a:sym typeface="Helvetica Neue Light"/>
-              </a:defRPr>
-            </a:pPr>
-            <a:r>
-              <a:rPr lang="en-US" dirty="0"/>
-              <a:t>Best method for truly linear relationships</a:t>
-            </a:r>
-            <a:endParaRPr dirty="0"/>
-          </a:p>
-          <a:p>
-            <a:pPr marL="705403" lvl="2">
-              <a:buClr>
-                <a:srgbClr val="009193"/>
-              </a:buClr>
-              <a:defRPr>
-                <a:latin typeface="Helvetica Neue Light"/>
-                <a:ea typeface="Helvetica Neue Light"/>
-                <a:cs typeface="Helvetica Neue Light"/>
-                <a:sym typeface="Helvetica Neue Light"/>
-              </a:defRPr>
-            </a:pPr>
-            <a:r>
-              <a:rPr dirty="0"/>
-              <a:t>Many "fancier" methods are based on linear regression</a:t>
-            </a:r>
-          </a:p>
-        </p:txBody>
-      </p:sp>
-    </p:spTree>
-  </p:cSld>
-  <p:clrMapOvr>
-    <a:masterClrMapping/>
-  </p:clrMapOvr>
-  <p:transition spd="med"/>
-</p:sld>
-</file>
-
-<file path=ppt/slides/slide30.xml><?xml version="1.0" encoding="utf-8"?>
+<file path=ppt/slides/slide29.xml><?xml version="1.0" encoding="utf-8"?>
 <p:sld xmlns:a="http://schemas.openxmlformats.org/drawingml/2006/main" xmlns:r="http://schemas.openxmlformats.org/officeDocument/2006/relationships" xmlns:p="http://schemas.openxmlformats.org/presentationml/2006/main">
   <p:cSld>
     <p:spTree>
@@ -15919,8 +15012,8 @@
           </a:p>
         </p:txBody>
       </p:sp>
-      <mc:AlternateContent xmlns:mc="http://schemas.openxmlformats.org/markup-compatibility/2006">
-        <mc:Choice xmlns:a14="http://schemas.microsoft.com/office/drawing/2010/main" Requires="a14">
+      <mc:AlternateContent xmlns:mc="http://schemas.openxmlformats.org/markup-compatibility/2006" xmlns:a14="http://schemas.microsoft.com/office/drawing/2010/main">
+        <mc:Choice Requires="a14">
           <p:sp>
             <p:nvSpPr>
               <p:cNvPr id="310" name="Combination of Ridge and Lasso…"/>
@@ -16262,7 +15355,7 @@
             </p:txBody>
           </p:sp>
         </mc:Choice>
-        <mc:Fallback>
+        <mc:Fallback xmlns="">
           <p:sp>
             <p:nvSpPr>
               <p:cNvPr id="310" name="Combination of Ridge and Lasso…"/>
@@ -16303,8 +15396,8 @@
           </p:sp>
         </mc:Fallback>
       </mc:AlternateContent>
-      <mc:AlternateContent xmlns:mc="http://schemas.openxmlformats.org/markup-compatibility/2006">
-        <mc:Choice xmlns:a14="http://schemas.microsoft.com/office/drawing/2010/main" Requires="a14">
+      <mc:AlternateContent xmlns:mc="http://schemas.openxmlformats.org/markup-compatibility/2006" xmlns:a14="http://schemas.microsoft.com/office/drawing/2010/main">
+        <mc:Choice Requires="a14">
           <p:sp>
             <p:nvSpPr>
               <p:cNvPr id="311" name="equation.pdf"/>
@@ -17159,7 +16252,7 @@
             </p:txBody>
           </p:sp>
         </mc:Choice>
-        <mc:Fallback>
+        <mc:Fallback xmlns="">
           <p:sp>
             <p:nvSpPr>
               <p:cNvPr id="311" name="equation.pdf"/>
@@ -17210,7 +16303,211 @@
 </p:sld>
 </file>
 
-<file path=ppt/slides/slide31.xml><?xml version="1.0" encoding="utf-8"?>
+<file path=ppt/slides/slide3.xml><?xml version="1.0" encoding="utf-8"?>
+<p:sld xmlns:a="http://schemas.openxmlformats.org/drawingml/2006/main" xmlns:r="http://schemas.openxmlformats.org/officeDocument/2006/relationships" xmlns:p="http://schemas.openxmlformats.org/presentationml/2006/main">
+  <p:cSld>
+    <p:spTree>
+      <p:nvGrpSpPr>
+        <p:cNvPr id="1" name=""/>
+        <p:cNvGrpSpPr/>
+        <p:nvPr/>
+      </p:nvGrpSpPr>
+      <p:grpSpPr>
+        <a:xfrm>
+          <a:off x="0" y="0"/>
+          <a:ext cx="0" cy="0"/>
+          <a:chOff x="0" y="0"/>
+          <a:chExt cx="0" cy="0"/>
+        </a:xfrm>
+      </p:grpSpPr>
+      <p:sp>
+        <p:nvSpPr>
+          <p:cNvPr id="178" name="Linear Regression"/>
+          <p:cNvSpPr txBox="1">
+            <a:spLocks noGrp="1"/>
+          </p:cNvSpPr>
+          <p:nvPr>
+            <p:ph type="title"/>
+          </p:nvPr>
+        </p:nvSpPr>
+        <p:spPr>
+          <a:prstGeom prst="rect">
+            <a:avLst/>
+          </a:prstGeom>
+        </p:spPr>
+        <p:txBody>
+          <a:bodyPr/>
+          <a:lstStyle/>
+          <a:p>
+            <a:r>
+              <a:t>Linear Regression</a:t>
+            </a:r>
+          </a:p>
+        </p:txBody>
+      </p:sp>
+      <p:sp>
+        <p:nvSpPr>
+          <p:cNvPr id="179" name="Linear regression is a supervised learning approach for predicting a quantitative response…"/>
+          <p:cNvSpPr txBox="1">
+            <a:spLocks noGrp="1"/>
+          </p:cNvSpPr>
+          <p:nvPr>
+            <p:ph type="body" idx="1"/>
+          </p:nvPr>
+        </p:nvSpPr>
+        <p:spPr>
+          <a:prstGeom prst="rect">
+            <a:avLst/>
+          </a:prstGeom>
+        </p:spPr>
+        <p:txBody>
+          <a:bodyPr/>
+          <a:lstStyle/>
+          <a:p>
+            <a:pPr>
+              <a:buClr>
+                <a:srgbClr val="009193"/>
+              </a:buClr>
+              <a:buChar char="‣"/>
+              <a:defRPr>
+                <a:latin typeface="Helvetica Neue Light"/>
+                <a:ea typeface="Helvetica Neue Light"/>
+                <a:cs typeface="Helvetica Neue Light"/>
+                <a:sym typeface="Helvetica Neue Light"/>
+              </a:defRPr>
+            </a:pPr>
+            <a:r>
+              <a:rPr dirty="0"/>
+              <a:t>Linear regression is a </a:t>
+            </a:r>
+            <a:r>
+              <a:rPr b="1" dirty="0">
+                <a:solidFill>
+                  <a:srgbClr val="00B050"/>
+                </a:solidFill>
+                <a:latin typeface="Helvetica Neue"/>
+                <a:ea typeface="Helvetica Neue"/>
+                <a:cs typeface="Helvetica Neue"/>
+                <a:sym typeface="Helvetica Neue"/>
+              </a:rPr>
+              <a:t>supervised</a:t>
+            </a:r>
+            <a:r>
+              <a:rPr dirty="0"/>
+              <a:t> learning approach for </a:t>
+            </a:r>
+            <a:r>
+              <a:rPr dirty="0">
+                <a:solidFill>
+                  <a:srgbClr val="009193"/>
+                </a:solidFill>
+              </a:rPr>
+              <a:t>predicting</a:t>
+            </a:r>
+            <a:r>
+              <a:rPr dirty="0"/>
+              <a:t> a </a:t>
+            </a:r>
+            <a:r>
+              <a:rPr b="1" dirty="0">
+                <a:solidFill>
+                  <a:srgbClr val="FF7E79"/>
+                </a:solidFill>
+                <a:latin typeface="Helvetica Neue"/>
+                <a:ea typeface="Helvetica Neue"/>
+                <a:cs typeface="Helvetica Neue"/>
+                <a:sym typeface="Helvetica Neue"/>
+              </a:rPr>
+              <a:t>quantitative</a:t>
+            </a:r>
+            <a:r>
+              <a:rPr dirty="0"/>
+              <a:t> response</a:t>
+            </a:r>
+          </a:p>
+          <a:p>
+            <a:pPr>
+              <a:buClr>
+                <a:srgbClr val="009193"/>
+              </a:buClr>
+              <a:buChar char="‣"/>
+              <a:defRPr>
+                <a:latin typeface="Helvetica Neue Light"/>
+                <a:ea typeface="Helvetica Neue Light"/>
+                <a:cs typeface="Helvetica Neue Light"/>
+                <a:sym typeface="Helvetica Neue Light"/>
+              </a:defRPr>
+            </a:pPr>
+            <a:r>
+              <a:rPr dirty="0"/>
+              <a:t>Linear regression has been around for a long time</a:t>
+            </a:r>
+          </a:p>
+          <a:p>
+            <a:pPr marL="705403" lvl="2">
+              <a:buClr>
+                <a:srgbClr val="009193"/>
+              </a:buClr>
+              <a:defRPr>
+                <a:latin typeface="Helvetica Neue Light"/>
+                <a:ea typeface="Helvetica Neue Light"/>
+                <a:cs typeface="Helvetica Neue Light"/>
+                <a:sym typeface="Helvetica Neue Light"/>
+              </a:defRPr>
+            </a:pPr>
+            <a:r>
+              <a:rPr dirty="0"/>
+              <a:t>Still very widely used</a:t>
+            </a:r>
+            <a:endParaRPr lang="en-US" dirty="0"/>
+          </a:p>
+          <a:p>
+            <a:pPr marL="705403" lvl="2">
+              <a:buClr>
+                <a:srgbClr val="009193"/>
+              </a:buClr>
+              <a:defRPr>
+                <a:latin typeface="Helvetica Neue Light"/>
+                <a:ea typeface="Helvetica Neue Light"/>
+                <a:cs typeface="Helvetica Neue Light"/>
+                <a:sym typeface="Helvetica Neue Light"/>
+              </a:defRPr>
+            </a:pPr>
+            <a:r>
+              <a:rPr lang="en-US" dirty="0"/>
+              <a:t>Best method for truly linear relationships</a:t>
+            </a:r>
+            <a:endParaRPr dirty="0"/>
+          </a:p>
+          <a:p>
+            <a:pPr marL="705403" lvl="2">
+              <a:buClr>
+                <a:srgbClr val="009193"/>
+              </a:buClr>
+              <a:defRPr>
+                <a:latin typeface="Helvetica Neue Light"/>
+                <a:ea typeface="Helvetica Neue Light"/>
+                <a:cs typeface="Helvetica Neue Light"/>
+                <a:sym typeface="Helvetica Neue Light"/>
+              </a:defRPr>
+            </a:pPr>
+            <a:r>
+              <a:rPr dirty="0"/>
+              <a:t>Many "fancier" methods are based on linear regression</a:t>
+            </a:r>
+          </a:p>
+        </p:txBody>
+      </p:sp>
+    </p:spTree>
+  </p:cSld>
+  <p:clrMapOvr>
+    <a:masterClrMapping/>
+  </p:clrMapOvr>
+  <p:transition spd="med"/>
+</p:sld>
+</file>
+
+<file path=ppt/slides/slide30.xml><?xml version="1.0" encoding="utf-8"?>
 <p:sld xmlns:a="http://schemas.openxmlformats.org/drawingml/2006/main" xmlns:r="http://schemas.openxmlformats.org/officeDocument/2006/relationships" xmlns:p="http://schemas.openxmlformats.org/presentationml/2006/main">
   <p:cSld>
     <p:spTree>
@@ -17324,7 +16621,7 @@
 </p:sld>
 </file>
 
-<file path=ppt/slides/slide32.xml><?xml version="1.0" encoding="utf-8"?>
+<file path=ppt/slides/slide31.xml><?xml version="1.0" encoding="utf-8"?>
 <p:sld xmlns:a="http://schemas.openxmlformats.org/drawingml/2006/main" xmlns:r="http://schemas.openxmlformats.org/officeDocument/2006/relationships" xmlns:p="http://schemas.openxmlformats.org/presentationml/2006/main">
   <p:cSld>
     <p:spTree>
@@ -17375,7 +16672,7 @@
 </p:sld>
 </file>
 
-<file path=ppt/slides/slide33.xml><?xml version="1.0" encoding="utf-8"?>
+<file path=ppt/slides/slide32.xml><?xml version="1.0" encoding="utf-8"?>
 <p:sld xmlns:a="http://schemas.openxmlformats.org/drawingml/2006/main" xmlns:r="http://schemas.openxmlformats.org/officeDocument/2006/relationships" xmlns:p="http://schemas.openxmlformats.org/presentationml/2006/main">
   <p:cSld>
     <p:spTree>
@@ -17537,8 +16834,8 @@
           </a:p>
         </p:txBody>
       </p:sp>
-      <mc:AlternateContent xmlns:mc="http://schemas.openxmlformats.org/markup-compatibility/2006">
-        <mc:Choice xmlns:a14="http://schemas.microsoft.com/office/drawing/2010/main" Requires="a14">
+      <mc:AlternateContent xmlns:mc="http://schemas.openxmlformats.org/markup-compatibility/2006" xmlns:a14="http://schemas.microsoft.com/office/drawing/2010/main">
+        <mc:Choice Requires="a14">
           <p:sp>
             <p:nvSpPr>
               <p:cNvPr id="322" name="equation.pdf"/>
@@ -17957,7 +17254,7 @@
             </p:txBody>
           </p:sp>
         </mc:Choice>
-        <mc:Fallback>
+        <mc:Fallback xmlns="">
           <p:sp>
             <p:nvSpPr>
               <p:cNvPr id="322" name="equation.pdf"/>
@@ -18008,7 +17305,7 @@
 </p:sld>
 </file>
 
-<file path=ppt/slides/slide34.xml><?xml version="1.0" encoding="utf-8"?>
+<file path=ppt/slides/slide33.xml><?xml version="1.0" encoding="utf-8"?>
 <p:sld xmlns:a="http://schemas.openxmlformats.org/drawingml/2006/main" xmlns:r="http://schemas.openxmlformats.org/officeDocument/2006/relationships" xmlns:p="http://schemas.openxmlformats.org/presentationml/2006/main">
   <p:cSld>
     <p:spTree>
@@ -18109,8 +17406,8 @@
           </a:p>
         </p:txBody>
       </p:sp>
-      <mc:AlternateContent xmlns:mc="http://schemas.openxmlformats.org/markup-compatibility/2006">
-        <mc:Choice xmlns:a14="http://schemas.microsoft.com/office/drawing/2010/main" Requires="a14">
+      <mc:AlternateContent xmlns:mc="http://schemas.openxmlformats.org/markup-compatibility/2006" xmlns:a14="http://schemas.microsoft.com/office/drawing/2010/main">
+        <mc:Choice Requires="a14">
           <p:sp>
             <p:nvSpPr>
               <p:cNvPr id="322" name="equation.pdf">
@@ -18447,7 +17744,7 @@
             </p:txBody>
           </p:sp>
         </mc:Choice>
-        <mc:Fallback>
+        <mc:Fallback xmlns="">
           <p:sp>
             <p:nvSpPr>
               <p:cNvPr id="322" name="equation.pdf">
@@ -18509,7 +17806,7 @@
 </p:sld>
 </file>
 
-<file path=ppt/slides/slide35.xml><?xml version="1.0" encoding="utf-8"?>
+<file path=ppt/slides/slide34.xml><?xml version="1.0" encoding="utf-8"?>
 <p:sld xmlns:a="http://schemas.openxmlformats.org/drawingml/2006/main" xmlns:r="http://schemas.openxmlformats.org/officeDocument/2006/relationships" xmlns:p="http://schemas.openxmlformats.org/presentationml/2006/main">
   <p:cSld>
     <p:spTree>
@@ -18551,8 +17848,8 @@
           </a:p>
         </p:txBody>
       </p:sp>
-      <mc:AlternateContent xmlns:mc="http://schemas.openxmlformats.org/markup-compatibility/2006">
-        <mc:Choice xmlns:a14="http://schemas.microsoft.com/office/drawing/2010/main" Requires="a14">
+      <mc:AlternateContent xmlns:mc="http://schemas.openxmlformats.org/markup-compatibility/2006" xmlns:a14="http://schemas.microsoft.com/office/drawing/2010/main">
+        <mc:Choice Requires="a14">
           <p:sp>
             <p:nvSpPr>
               <p:cNvPr id="326" name="Linear regression is &quot;linear&quot; with respect to the parameters (the model is a linear combination of the parameters)…"/>
@@ -19301,7 +18598,7 @@
             </p:txBody>
           </p:sp>
         </mc:Choice>
-        <mc:Fallback>
+        <mc:Fallback xmlns="">
           <p:sp>
             <p:nvSpPr>
               <p:cNvPr id="326" name="Linear regression is &quot;linear&quot; with respect to the parameters (the model is a linear combination of the parameters)…"/>
@@ -19351,7 +18648,7 @@
 </p:sld>
 </file>
 
-<file path=ppt/slides/slide36.xml><?xml version="1.0" encoding="utf-8"?>
+<file path=ppt/slides/slide35.xml><?xml version="1.0" encoding="utf-8"?>
 <p:sld xmlns:a="http://schemas.openxmlformats.org/drawingml/2006/main" xmlns:r="http://schemas.openxmlformats.org/officeDocument/2006/relationships" xmlns:p="http://schemas.openxmlformats.org/presentationml/2006/main">
   <p:cSld>
     <p:spTree>
@@ -19513,7 +18810,7 @@
 </p:sld>
 </file>
 
-<file path=ppt/slides/slide37.xml><?xml version="1.0" encoding="utf-8"?>
+<file path=ppt/slides/slide36.xml><?xml version="1.0" encoding="utf-8"?>
 <p:sld xmlns:a="http://schemas.openxmlformats.org/drawingml/2006/main" xmlns:r="http://schemas.openxmlformats.org/officeDocument/2006/relationships" xmlns:p="http://schemas.openxmlformats.org/presentationml/2006/main">
   <p:cSld>
     <p:spTree>
@@ -20469,7 +19766,7 @@
 </p:sld>
 </file>
 
-<file path=ppt/slides/slide38.xml><?xml version="1.0" encoding="utf-8"?>
+<file path=ppt/slides/slide37.xml><?xml version="1.0" encoding="utf-8"?>
 <p:sld xmlns:a="http://schemas.openxmlformats.org/drawingml/2006/main" xmlns:r="http://schemas.openxmlformats.org/officeDocument/2006/relationships" xmlns:p="http://schemas.openxmlformats.org/presentationml/2006/main">
   <p:cSld>
     <p:spTree>
@@ -20520,7 +19817,7 @@
 </p:sld>
 </file>
 
-<file path=ppt/slides/slide39.xml><?xml version="1.0" encoding="utf-8"?>
+<file path=ppt/slides/slide38.xml><?xml version="1.0" encoding="utf-8"?>
 <p:sld xmlns:a="http://schemas.openxmlformats.org/drawingml/2006/main" xmlns:r="http://schemas.openxmlformats.org/officeDocument/2006/relationships" xmlns:p="http://schemas.openxmlformats.org/presentationml/2006/main">
   <p:cSld>
     <p:spTree>
@@ -20562,8 +19859,8 @@
           </a:p>
         </p:txBody>
       </p:sp>
-      <mc:AlternateContent xmlns:mc="http://schemas.openxmlformats.org/markup-compatibility/2006">
-        <mc:Choice xmlns:a14="http://schemas.microsoft.com/office/drawing/2010/main" Requires="a14">
+      <mc:AlternateContent xmlns:mc="http://schemas.openxmlformats.org/markup-compatibility/2006" xmlns:a14="http://schemas.microsoft.com/office/drawing/2010/main">
+        <mc:Choice Requires="a14">
           <p:sp>
             <p:nvSpPr>
               <p:cNvPr id="344" name="In regression (we are predicting a numeric variable),   what does a “good” prediction look like?…"/>
@@ -20660,7 +19957,7 @@
             </p:txBody>
           </p:sp>
         </mc:Choice>
-        <mc:Fallback>
+        <mc:Fallback xmlns="">
           <p:sp>
             <p:nvSpPr>
               <p:cNvPr id="344" name="In regression (we are predicting a numeric variable),   what does a “good” prediction look like?…"/>
@@ -20706,483 +20003,7 @@
 </p:sld>
 </file>
 
-<file path=ppt/slides/slide4.xml><?xml version="1.0" encoding="utf-8"?>
-<p:sld xmlns:a="http://schemas.openxmlformats.org/drawingml/2006/main" xmlns:r="http://schemas.openxmlformats.org/officeDocument/2006/relationships" xmlns:p="http://schemas.openxmlformats.org/presentationml/2006/main">
-  <p:cSld>
-    <p:spTree>
-      <p:nvGrpSpPr>
-        <p:cNvPr id="1" name=""/>
-        <p:cNvGrpSpPr/>
-        <p:nvPr/>
-      </p:nvGrpSpPr>
-      <p:grpSpPr>
-        <a:xfrm>
-          <a:off x="0" y="0"/>
-          <a:ext cx="0" cy="0"/>
-          <a:chOff x="0" y="0"/>
-          <a:chExt cx="0" cy="0"/>
-        </a:xfrm>
-      </p:grpSpPr>
-      <p:sp>
-        <p:nvSpPr>
-          <p:cNvPr id="182" name="Least Squares"/>
-          <p:cNvSpPr txBox="1">
-            <a:spLocks noGrp="1"/>
-          </p:cNvSpPr>
-          <p:nvPr>
-            <p:ph type="title"/>
-          </p:nvPr>
-        </p:nvSpPr>
-        <p:spPr>
-          <a:prstGeom prst="rect">
-            <a:avLst/>
-          </a:prstGeom>
-        </p:spPr>
-        <p:txBody>
-          <a:bodyPr/>
-          <a:lstStyle/>
-          <a:p>
-            <a:r>
-              <a:t>Least Squares</a:t>
-            </a:r>
-          </a:p>
-        </p:txBody>
-      </p:sp>
-      <p:pic>
-        <p:nvPicPr>
-          <p:cNvPr id="183" name="ls3.png" descr="ls3.png"/>
-          <p:cNvPicPr>
-            <a:picLocks noChangeAspect="1"/>
-          </p:cNvPicPr>
-          <p:nvPr/>
-        </p:nvPicPr>
-        <p:blipFill>
-          <a:blip r:embed="rId2"/>
-          <a:stretch>
-            <a:fillRect/>
-          </a:stretch>
-        </p:blipFill>
-        <p:spPr>
-          <a:xfrm>
-            <a:off x="1338576" y="1568196"/>
-            <a:ext cx="4602148" cy="4602148"/>
-          </a:xfrm>
-          <a:prstGeom prst="rect">
-            <a:avLst/>
-          </a:prstGeom>
-          <a:ln w="3175">
-            <a:miter lim="400000"/>
-          </a:ln>
-        </p:spPr>
-      </p:pic>
-      <p:sp>
-        <p:nvSpPr>
-          <p:cNvPr id="184" name="Least squares line is the line that minimizes"/>
-          <p:cNvSpPr txBox="1"/>
-          <p:nvPr/>
-        </p:nvSpPr>
-        <p:spPr>
-          <a:xfrm>
-            <a:off x="7664896" y="1812055"/>
-            <a:ext cx="2724762" cy="461729"/>
-          </a:xfrm>
-          <a:prstGeom prst="rect">
-            <a:avLst/>
-          </a:prstGeom>
-          <a:ln w="3175">
-            <a:miter lim="400000"/>
-          </a:ln>
-          <a:extLst>
-            <a:ext uri="{C572A759-6A51-4108-AA02-DFA0A04FC94B}">
-              <ma14:wrappingTextBoxFlag xmlns:ma14="http://schemas.microsoft.com/office/mac/drawingml/2011/main" xmlns:a14="http://schemas.microsoft.com/office/drawing/2010/main" xmlns:m="http://schemas.openxmlformats.org/officeDocument/2006/math" xmlns="" val="1"/>
-            </a:ext>
-          </a:extLst>
-        </p:spPr>
-        <p:txBody>
-          <a:bodyPr lIns="35719" tIns="35719" rIns="35719" bIns="35719" anchor="ctr">
-            <a:spAutoFit/>
-          </a:bodyPr>
-          <a:lstStyle>
-            <a:lvl1pPr>
-              <a:defRPr>
-                <a:solidFill>
-                  <a:srgbClr val="5E5E5E"/>
-                </a:solidFill>
-              </a:defRPr>
-            </a:lvl1pPr>
-          </a:lstStyle>
-          <a:p>
-            <a:r>
-              <a:rPr sz="1266" dirty="0"/>
-              <a:t>Least squares line is the line that minimizes</a:t>
-            </a:r>
-          </a:p>
-        </p:txBody>
-      </p:sp>
-      <mc:AlternateContent xmlns:mc="http://schemas.openxmlformats.org/markup-compatibility/2006" xmlns:a14="http://schemas.microsoft.com/office/drawing/2010/main">
-        <mc:Choice Requires="a14">
-          <p:sp>
-            <p:nvSpPr>
-              <p:cNvPr id="185" name="equation.pdf"/>
-              <p:cNvSpPr txBox="1"/>
-              <p:nvPr/>
-            </p:nvSpPr>
-            <p:spPr>
-              <a:xfrm>
-                <a:off x="7842027" y="2530078"/>
-                <a:ext cx="2204001" cy="757130"/>
-              </a:xfrm>
-              <a:prstGeom prst="rect">
-                <a:avLst/>
-              </a:prstGeom>
-              <a:ln w="12700">
-                <a:miter lim="400000"/>
-              </a:ln>
-            </p:spPr>
-            <p:txBody>
-              <a:bodyPr wrap="none" lIns="0" tIns="0" rIns="0" bIns="0">
-                <a:spAutoFit/>
-              </a:bodyPr>
-              <a:lstStyle/>
-              <a:p>
-                <a:pPr defTabSz="642915" latinLnBrk="1">
-                  <a:defRPr sz="1800">
-                    <a:solidFill>
-                      <a:srgbClr val="000000"/>
-                    </a:solidFill>
-                  </a:defRPr>
-                </a:pPr>
-                <a14:m>
-                  <m:oMathPara xmlns:m="http://schemas.openxmlformats.org/officeDocument/2006/math">
-                    <m:oMathParaPr>
-                      <m:jc m:val="centerGroup"/>
-                    </m:oMathParaPr>
-                    <m:oMath xmlns:m="http://schemas.openxmlformats.org/officeDocument/2006/math">
-                      <m:f>
-                        <m:fPr>
-                          <m:ctrlPr>
-                            <a:rPr sz="2461" i="1">
-                              <a:solidFill>
-                                <a:srgbClr val="000000"/>
-                              </a:solidFill>
-                              <a:latin typeface="Cambria Math" panose="02040503050406030204" pitchFamily="18" charset="0"/>
-                            </a:rPr>
-                          </m:ctrlPr>
-                        </m:fPr>
-                        <m:num>
-                          <m:r>
-                            <a:rPr sz="2461" i="1">
-                              <a:solidFill>
-                                <a:srgbClr val="000000"/>
-                              </a:solidFill>
-                              <a:latin typeface="Cambria Math" panose="02040503050406030204" pitchFamily="18" charset="0"/>
-                            </a:rPr>
-                            <m:t>1</m:t>
-                          </m:r>
-                        </m:num>
-                        <m:den>
-                          <m:r>
-                            <a:rPr sz="2461" i="1">
-                              <a:solidFill>
-                                <a:srgbClr val="000000"/>
-                              </a:solidFill>
-                              <a:latin typeface="Cambria Math" panose="02040503050406030204" pitchFamily="18" charset="0"/>
-                            </a:rPr>
-                            <m:t>2</m:t>
-                          </m:r>
-                          <m:r>
-                            <a:rPr sz="2461" i="1">
-                              <a:solidFill>
-                                <a:srgbClr val="000000"/>
-                              </a:solidFill>
-                              <a:latin typeface="Cambria Math" panose="02040503050406030204" pitchFamily="18" charset="0"/>
-                            </a:rPr>
-                            <m:t>𝑛</m:t>
-                          </m:r>
-                        </m:den>
-                      </m:f>
-                      <m:limUpp>
-                        <m:limUppPr>
-                          <m:ctrlPr>
-                            <a:rPr sz="2461" i="1">
-                              <a:solidFill>
-                                <a:srgbClr val="000000"/>
-                              </a:solidFill>
-                              <a:latin typeface="Cambria Math" panose="02040503050406030204" pitchFamily="18" charset="0"/>
-                            </a:rPr>
-                          </m:ctrlPr>
-                        </m:limUppPr>
-                        <m:e>
-                          <m:limLow>
-                            <m:limLowPr>
-                              <m:ctrlPr>
-                                <a:rPr sz="2461" i="1">
-                                  <a:solidFill>
-                                    <a:srgbClr val="000000"/>
-                                  </a:solidFill>
-                                  <a:latin typeface="Cambria Math" panose="02040503050406030204" pitchFamily="18" charset="0"/>
-                                </a:rPr>
-                              </m:ctrlPr>
-                            </m:limLowPr>
-                            <m:e>
-                              <m:r>
-                                <a:rPr sz="2461" i="1">
-                                  <a:solidFill>
-                                    <a:srgbClr val="000000"/>
-                                  </a:solidFill>
-                                  <a:latin typeface="Cambria Math" panose="02040503050406030204" pitchFamily="18" charset="0"/>
-                                </a:rPr>
-                                <m:t>∑</m:t>
-                              </m:r>
-                            </m:e>
-                            <m:lim>
-                              <m:r>
-                                <a:rPr sz="2461" i="1">
-                                  <a:solidFill>
-                                    <a:srgbClr val="000000"/>
-                                  </a:solidFill>
-                                  <a:latin typeface="Cambria Math" panose="02040503050406030204" pitchFamily="18" charset="0"/>
-                                </a:rPr>
-                                <m:t>𝑖</m:t>
-                              </m:r>
-                              <m:r>
-                                <a:rPr sz="2461" i="1">
-                                  <a:solidFill>
-                                    <a:srgbClr val="000000"/>
-                                  </a:solidFill>
-                                  <a:latin typeface="Cambria Math" panose="02040503050406030204" pitchFamily="18" charset="0"/>
-                                </a:rPr>
-                                <m:t>=</m:t>
-                              </m:r>
-                              <m:r>
-                                <a:rPr sz="2461" i="1">
-                                  <a:solidFill>
-                                    <a:srgbClr val="000000"/>
-                                  </a:solidFill>
-                                  <a:latin typeface="Cambria Math" panose="02040503050406030204" pitchFamily="18" charset="0"/>
-                                </a:rPr>
-                                <m:t>1</m:t>
-                              </m:r>
-                            </m:lim>
-                          </m:limLow>
-                        </m:e>
-                        <m:lim>
-                          <m:r>
-                            <a:rPr sz="2461" i="1">
-                              <a:solidFill>
-                                <a:srgbClr val="000000"/>
-                              </a:solidFill>
-                              <a:latin typeface="Cambria Math" panose="02040503050406030204" pitchFamily="18" charset="0"/>
-                            </a:rPr>
-                            <m:t>𝑛</m:t>
-                          </m:r>
-                        </m:lim>
-                      </m:limUpp>
-                      <m:r>
-                        <a:rPr sz="2461" i="1">
-                          <a:solidFill>
-                            <a:srgbClr val="000000"/>
-                          </a:solidFill>
-                          <a:latin typeface="Cambria Math" panose="02040503050406030204" pitchFamily="18" charset="0"/>
-                        </a:rPr>
-                        <m:t>(</m:t>
-                      </m:r>
-                      <m:sSub>
-                        <m:sSubPr>
-                          <m:ctrlPr>
-                            <a:rPr sz="2461" i="1">
-                              <a:solidFill>
-                                <a:srgbClr val="000000"/>
-                              </a:solidFill>
-                              <a:latin typeface="Cambria Math" panose="02040503050406030204" pitchFamily="18" charset="0"/>
-                            </a:rPr>
-                          </m:ctrlPr>
-                        </m:sSubPr>
-                        <m:e>
-                          <m:r>
-                            <a:rPr sz="2461" i="1">
-                              <a:solidFill>
-                                <a:srgbClr val="000000"/>
-                              </a:solidFill>
-                              <a:latin typeface="Cambria Math" panose="02040503050406030204" pitchFamily="18" charset="0"/>
-                            </a:rPr>
-                            <m:t>𝑦</m:t>
-                          </m:r>
-                        </m:e>
-                        <m:sub>
-                          <m:r>
-                            <a:rPr sz="2461" i="1">
-                              <a:solidFill>
-                                <a:srgbClr val="000000"/>
-                              </a:solidFill>
-                              <a:latin typeface="Cambria Math" panose="02040503050406030204" pitchFamily="18" charset="0"/>
-                            </a:rPr>
-                            <m:t>𝑖</m:t>
-                          </m:r>
-                        </m:sub>
-                      </m:sSub>
-                      <m:r>
-                        <a:rPr sz="2461" i="1">
-                          <a:solidFill>
-                            <a:srgbClr val="000000"/>
-                          </a:solidFill>
-                          <a:latin typeface="Cambria Math" panose="02040503050406030204" pitchFamily="18" charset="0"/>
-                        </a:rPr>
-                        <m:t>−</m:t>
-                      </m:r>
-                      <m:sSub>
-                        <m:sSubPr>
-                          <m:ctrlPr>
-                            <a:rPr sz="2461" i="1">
-                              <a:solidFill>
-                                <a:srgbClr val="000000"/>
-                              </a:solidFill>
-                              <a:latin typeface="Cambria Math" panose="02040503050406030204" pitchFamily="18" charset="0"/>
-                            </a:rPr>
-                          </m:ctrlPr>
-                        </m:sSubPr>
-                        <m:e>
-                          <m:limUpp>
-                            <m:limUppPr>
-                              <m:ctrlPr>
-                                <a:rPr sz="2461" i="1">
-                                  <a:solidFill>
-                                    <a:srgbClr val="000000"/>
-                                  </a:solidFill>
-                                  <a:latin typeface="Cambria Math" panose="02040503050406030204" pitchFamily="18" charset="0"/>
-                                </a:rPr>
-                              </m:ctrlPr>
-                            </m:limUppPr>
-                            <m:e>
-                              <m:r>
-                                <a:rPr sz="2461" i="1">
-                                  <a:solidFill>
-                                    <a:srgbClr val="000000"/>
-                                  </a:solidFill>
-                                  <a:latin typeface="Cambria Math" panose="02040503050406030204" pitchFamily="18" charset="0"/>
-                                </a:rPr>
-                                <m:t>𝑦</m:t>
-                              </m:r>
-                            </m:e>
-                            <m:lim>
-                              <m:r>
-                                <a:rPr sz="2461" i="1">
-                                  <a:solidFill>
-                                    <a:srgbClr val="000000"/>
-                                  </a:solidFill>
-                                  <a:latin typeface="Cambria Math" panose="02040503050406030204" pitchFamily="18" charset="0"/>
-                                </a:rPr>
-                                <m:t>̂</m:t>
-                              </m:r>
-                            </m:lim>
-                          </m:limUpp>
-                        </m:e>
-                        <m:sub>
-                          <m:r>
-                            <a:rPr sz="2461" i="1">
-                              <a:solidFill>
-                                <a:srgbClr val="000000"/>
-                              </a:solidFill>
-                              <a:latin typeface="Cambria Math" panose="02040503050406030204" pitchFamily="18" charset="0"/>
-                            </a:rPr>
-                            <m:t>𝑖</m:t>
-                          </m:r>
-                        </m:sub>
-                      </m:sSub>
-                      <m:sSup>
-                        <m:sSupPr>
-                          <m:ctrlPr>
-                            <a:rPr sz="2461" i="1">
-                              <a:solidFill>
-                                <a:srgbClr val="000000"/>
-                              </a:solidFill>
-                              <a:latin typeface="Cambria Math" panose="02040503050406030204" pitchFamily="18" charset="0"/>
-                            </a:rPr>
-                          </m:ctrlPr>
-                        </m:sSupPr>
-                        <m:e>
-                          <m:r>
-                            <a:rPr sz="2461" i="1">
-                              <a:solidFill>
-                                <a:srgbClr val="000000"/>
-                              </a:solidFill>
-                              <a:latin typeface="Cambria Math" panose="02040503050406030204" pitchFamily="18" charset="0"/>
-                            </a:rPr>
-                            <m:t>)</m:t>
-                          </m:r>
-                        </m:e>
-                        <m:sup>
-                          <m:r>
-                            <a:rPr sz="2461" i="1">
-                              <a:solidFill>
-                                <a:srgbClr val="000000"/>
-                              </a:solidFill>
-                              <a:latin typeface="Cambria Math" panose="02040503050406030204" pitchFamily="18" charset="0"/>
-                            </a:rPr>
-                            <m:t>2</m:t>
-                          </m:r>
-                        </m:sup>
-                      </m:sSup>
-                    </m:oMath>
-                  </m:oMathPara>
-                </a14:m>
-                <a:endParaRPr sz="2461" dirty="0"/>
-              </a:p>
-            </p:txBody>
-          </p:sp>
-        </mc:Choice>
-        <mc:Fallback xmlns="">
-          <p:sp>
-            <p:nvSpPr>
-              <p:cNvPr id="185" name="equation.pdf"/>
-              <p:cNvSpPr txBox="1">
-                <a:spLocks noRot="1" noChangeAspect="1" noMove="1" noResize="1" noEditPoints="1" noAdjustHandles="1" noChangeArrowheads="1" noChangeShapeType="1" noTextEdit="1"/>
-              </p:cNvSpPr>
-              <p:nvPr/>
-            </p:nvSpPr>
-            <p:spPr>
-              <a:xfrm>
-                <a:off x="7842027" y="2530078"/>
-                <a:ext cx="2204001" cy="757130"/>
-              </a:xfrm>
-              <a:prstGeom prst="rect">
-                <a:avLst/>
-              </a:prstGeom>
-              <a:blipFill>
-                <a:blip r:embed="rId3"/>
-                <a:stretch>
-                  <a:fillRect/>
-                </a:stretch>
-              </a:blipFill>
-              <a:ln w="12700">
-                <a:miter lim="400000"/>
-              </a:ln>
-            </p:spPr>
-            <p:txBody>
-              <a:bodyPr/>
-              <a:lstStyle/>
-              <a:p>
-                <a:r>
-                  <a:rPr lang="en-US">
-                    <a:noFill/>
-                  </a:rPr>
-                  <a:t> </a:t>
-                </a:r>
-              </a:p>
-            </p:txBody>
-          </p:sp>
-        </mc:Fallback>
-      </mc:AlternateContent>
-    </p:spTree>
-  </p:cSld>
-  <p:clrMapOvr>
-    <a:masterClrMapping/>
-  </p:clrMapOvr>
-  <p:transition spd="med"/>
-</p:sld>
-</file>
-
-<file path=ppt/slides/slide40.xml><?xml version="1.0" encoding="utf-8"?>
+<file path=ppt/slides/slide39.xml><?xml version="1.0" encoding="utf-8"?>
 <p:sld xmlns:a="http://schemas.openxmlformats.org/drawingml/2006/main" xmlns:r="http://schemas.openxmlformats.org/officeDocument/2006/relationships" xmlns:p="http://schemas.openxmlformats.org/presentationml/2006/main">
   <p:cSld>
     <p:spTree>
@@ -21242,13 +20063,14 @@
           <a:lstStyle/>
           <a:p>
             <a:r>
+              <a:rPr dirty="0"/>
               <a:t>Common Regression Metrics</a:t>
             </a:r>
           </a:p>
         </p:txBody>
       </p:sp>
-      <mc:AlternateContent xmlns:mc="http://schemas.openxmlformats.org/markup-compatibility/2006">
-        <mc:Choice xmlns:a14="http://schemas.microsoft.com/office/drawing/2010/main" Requires="a14">
+      <mc:AlternateContent xmlns:mc="http://schemas.openxmlformats.org/markup-compatibility/2006" xmlns:a14="http://schemas.microsoft.com/office/drawing/2010/main">
+        <mc:Choice Requires="a14">
           <p:sp>
             <p:nvSpPr>
               <p:cNvPr id="348" name="Lower is better:…"/>
@@ -22064,11 +20886,16 @@
                     </m:oMath>
                   </m:oMathPara>
                 </a14:m>
+                <a:endParaRPr lang="en-US" sz="1969" dirty="0">
+                  <a:solidFill>
+                    <a:srgbClr val="53585F"/>
+                  </a:solidFill>
+                </a:endParaRPr>
               </a:p>
             </p:txBody>
           </p:sp>
         </mc:Choice>
-        <mc:Fallback>
+        <mc:Fallback xmlns="">
           <p:sp>
             <p:nvSpPr>
               <p:cNvPr id="348" name="Lower is better:…"/>
@@ -22118,7 +20945,483 @@
 </p:sld>
 </file>
 
-<file path=ppt/slides/slide41.xml><?xml version="1.0" encoding="utf-8"?>
+<file path=ppt/slides/slide4.xml><?xml version="1.0" encoding="utf-8"?>
+<p:sld xmlns:a="http://schemas.openxmlformats.org/drawingml/2006/main" xmlns:r="http://schemas.openxmlformats.org/officeDocument/2006/relationships" xmlns:p="http://schemas.openxmlformats.org/presentationml/2006/main">
+  <p:cSld>
+    <p:spTree>
+      <p:nvGrpSpPr>
+        <p:cNvPr id="1" name=""/>
+        <p:cNvGrpSpPr/>
+        <p:nvPr/>
+      </p:nvGrpSpPr>
+      <p:grpSpPr>
+        <a:xfrm>
+          <a:off x="0" y="0"/>
+          <a:ext cx="0" cy="0"/>
+          <a:chOff x="0" y="0"/>
+          <a:chExt cx="0" cy="0"/>
+        </a:xfrm>
+      </p:grpSpPr>
+      <p:sp>
+        <p:nvSpPr>
+          <p:cNvPr id="182" name="Least Squares"/>
+          <p:cNvSpPr txBox="1">
+            <a:spLocks noGrp="1"/>
+          </p:cNvSpPr>
+          <p:nvPr>
+            <p:ph type="title"/>
+          </p:nvPr>
+        </p:nvSpPr>
+        <p:spPr>
+          <a:prstGeom prst="rect">
+            <a:avLst/>
+          </a:prstGeom>
+        </p:spPr>
+        <p:txBody>
+          <a:bodyPr/>
+          <a:lstStyle/>
+          <a:p>
+            <a:r>
+              <a:t>Least Squares</a:t>
+            </a:r>
+          </a:p>
+        </p:txBody>
+      </p:sp>
+      <p:pic>
+        <p:nvPicPr>
+          <p:cNvPr id="183" name="ls3.png" descr="ls3.png"/>
+          <p:cNvPicPr>
+            <a:picLocks noChangeAspect="1"/>
+          </p:cNvPicPr>
+          <p:nvPr/>
+        </p:nvPicPr>
+        <p:blipFill>
+          <a:blip r:embed="rId2"/>
+          <a:stretch>
+            <a:fillRect/>
+          </a:stretch>
+        </p:blipFill>
+        <p:spPr>
+          <a:xfrm>
+            <a:off x="1338576" y="1568196"/>
+            <a:ext cx="4602148" cy="4602148"/>
+          </a:xfrm>
+          <a:prstGeom prst="rect">
+            <a:avLst/>
+          </a:prstGeom>
+          <a:ln w="3175">
+            <a:miter lim="400000"/>
+          </a:ln>
+        </p:spPr>
+      </p:pic>
+      <p:sp>
+        <p:nvSpPr>
+          <p:cNvPr id="184" name="Least squares line is the line that minimizes"/>
+          <p:cNvSpPr txBox="1"/>
+          <p:nvPr/>
+        </p:nvSpPr>
+        <p:spPr>
+          <a:xfrm>
+            <a:off x="7664896" y="1812055"/>
+            <a:ext cx="2724762" cy="461729"/>
+          </a:xfrm>
+          <a:prstGeom prst="rect">
+            <a:avLst/>
+          </a:prstGeom>
+          <a:ln w="3175">
+            <a:miter lim="400000"/>
+          </a:ln>
+          <a:extLst>
+            <a:ext uri="{C572A759-6A51-4108-AA02-DFA0A04FC94B}">
+              <ma14:wrappingTextBoxFlag xmlns:ma14="http://schemas.microsoft.com/office/mac/drawingml/2011/main" xmlns:a14="http://schemas.microsoft.com/office/drawing/2010/main" xmlns:m="http://schemas.openxmlformats.org/officeDocument/2006/math" xmlns="" val="1"/>
+            </a:ext>
+          </a:extLst>
+        </p:spPr>
+        <p:txBody>
+          <a:bodyPr lIns="35719" tIns="35719" rIns="35719" bIns="35719" anchor="ctr">
+            <a:spAutoFit/>
+          </a:bodyPr>
+          <a:lstStyle>
+            <a:lvl1pPr>
+              <a:defRPr>
+                <a:solidFill>
+                  <a:srgbClr val="5E5E5E"/>
+                </a:solidFill>
+              </a:defRPr>
+            </a:lvl1pPr>
+          </a:lstStyle>
+          <a:p>
+            <a:r>
+              <a:rPr sz="1266" dirty="0"/>
+              <a:t>Least squares line is the line that minimizes</a:t>
+            </a:r>
+          </a:p>
+        </p:txBody>
+      </p:sp>
+      <mc:AlternateContent xmlns:mc="http://schemas.openxmlformats.org/markup-compatibility/2006" xmlns:a14="http://schemas.microsoft.com/office/drawing/2010/main">
+        <mc:Choice Requires="a14">
+          <p:sp>
+            <p:nvSpPr>
+              <p:cNvPr id="185" name="equation.pdf"/>
+              <p:cNvSpPr txBox="1"/>
+              <p:nvPr/>
+            </p:nvSpPr>
+            <p:spPr>
+              <a:xfrm>
+                <a:off x="7842027" y="2530078"/>
+                <a:ext cx="2204001" cy="757130"/>
+              </a:xfrm>
+              <a:prstGeom prst="rect">
+                <a:avLst/>
+              </a:prstGeom>
+              <a:ln w="12700">
+                <a:miter lim="400000"/>
+              </a:ln>
+            </p:spPr>
+            <p:txBody>
+              <a:bodyPr wrap="none" lIns="0" tIns="0" rIns="0" bIns="0">
+                <a:spAutoFit/>
+              </a:bodyPr>
+              <a:lstStyle/>
+              <a:p>
+                <a:pPr defTabSz="642915" latinLnBrk="1">
+                  <a:defRPr sz="1800">
+                    <a:solidFill>
+                      <a:srgbClr val="000000"/>
+                    </a:solidFill>
+                  </a:defRPr>
+                </a:pPr>
+                <a14:m>
+                  <m:oMathPara xmlns:m="http://schemas.openxmlformats.org/officeDocument/2006/math">
+                    <m:oMathParaPr>
+                      <m:jc m:val="centerGroup"/>
+                    </m:oMathParaPr>
+                    <m:oMath xmlns:m="http://schemas.openxmlformats.org/officeDocument/2006/math">
+                      <m:f>
+                        <m:fPr>
+                          <m:ctrlPr>
+                            <a:rPr sz="2461" i="1">
+                              <a:solidFill>
+                                <a:srgbClr val="000000"/>
+                              </a:solidFill>
+                              <a:latin typeface="Cambria Math" panose="02040503050406030204" pitchFamily="18" charset="0"/>
+                            </a:rPr>
+                          </m:ctrlPr>
+                        </m:fPr>
+                        <m:num>
+                          <m:r>
+                            <a:rPr sz="2461" i="1">
+                              <a:solidFill>
+                                <a:srgbClr val="000000"/>
+                              </a:solidFill>
+                              <a:latin typeface="Cambria Math" panose="02040503050406030204" pitchFamily="18" charset="0"/>
+                            </a:rPr>
+                            <m:t>1</m:t>
+                          </m:r>
+                        </m:num>
+                        <m:den>
+                          <m:r>
+                            <a:rPr sz="2461" i="1">
+                              <a:solidFill>
+                                <a:srgbClr val="000000"/>
+                              </a:solidFill>
+                              <a:latin typeface="Cambria Math" panose="02040503050406030204" pitchFamily="18" charset="0"/>
+                            </a:rPr>
+                            <m:t>2</m:t>
+                          </m:r>
+                          <m:r>
+                            <a:rPr sz="2461" i="1">
+                              <a:solidFill>
+                                <a:srgbClr val="000000"/>
+                              </a:solidFill>
+                              <a:latin typeface="Cambria Math" panose="02040503050406030204" pitchFamily="18" charset="0"/>
+                            </a:rPr>
+                            <m:t>𝑛</m:t>
+                          </m:r>
+                        </m:den>
+                      </m:f>
+                      <m:limUpp>
+                        <m:limUppPr>
+                          <m:ctrlPr>
+                            <a:rPr sz="2461" i="1">
+                              <a:solidFill>
+                                <a:srgbClr val="000000"/>
+                              </a:solidFill>
+                              <a:latin typeface="Cambria Math" panose="02040503050406030204" pitchFamily="18" charset="0"/>
+                            </a:rPr>
+                          </m:ctrlPr>
+                        </m:limUppPr>
+                        <m:e>
+                          <m:limLow>
+                            <m:limLowPr>
+                              <m:ctrlPr>
+                                <a:rPr sz="2461" i="1">
+                                  <a:solidFill>
+                                    <a:srgbClr val="000000"/>
+                                  </a:solidFill>
+                                  <a:latin typeface="Cambria Math" panose="02040503050406030204" pitchFamily="18" charset="0"/>
+                                </a:rPr>
+                              </m:ctrlPr>
+                            </m:limLowPr>
+                            <m:e>
+                              <m:r>
+                                <a:rPr sz="2461" i="1">
+                                  <a:solidFill>
+                                    <a:srgbClr val="000000"/>
+                                  </a:solidFill>
+                                  <a:latin typeface="Cambria Math" panose="02040503050406030204" pitchFamily="18" charset="0"/>
+                                </a:rPr>
+                                <m:t>∑</m:t>
+                              </m:r>
+                            </m:e>
+                            <m:lim>
+                              <m:r>
+                                <a:rPr sz="2461" i="1">
+                                  <a:solidFill>
+                                    <a:srgbClr val="000000"/>
+                                  </a:solidFill>
+                                  <a:latin typeface="Cambria Math" panose="02040503050406030204" pitchFamily="18" charset="0"/>
+                                </a:rPr>
+                                <m:t>𝑖</m:t>
+                              </m:r>
+                              <m:r>
+                                <a:rPr sz="2461" i="1">
+                                  <a:solidFill>
+                                    <a:srgbClr val="000000"/>
+                                  </a:solidFill>
+                                  <a:latin typeface="Cambria Math" panose="02040503050406030204" pitchFamily="18" charset="0"/>
+                                </a:rPr>
+                                <m:t>=</m:t>
+                              </m:r>
+                              <m:r>
+                                <a:rPr sz="2461" i="1">
+                                  <a:solidFill>
+                                    <a:srgbClr val="000000"/>
+                                  </a:solidFill>
+                                  <a:latin typeface="Cambria Math" panose="02040503050406030204" pitchFamily="18" charset="0"/>
+                                </a:rPr>
+                                <m:t>1</m:t>
+                              </m:r>
+                            </m:lim>
+                          </m:limLow>
+                        </m:e>
+                        <m:lim>
+                          <m:r>
+                            <a:rPr sz="2461" i="1">
+                              <a:solidFill>
+                                <a:srgbClr val="000000"/>
+                              </a:solidFill>
+                              <a:latin typeface="Cambria Math" panose="02040503050406030204" pitchFamily="18" charset="0"/>
+                            </a:rPr>
+                            <m:t>𝑛</m:t>
+                          </m:r>
+                        </m:lim>
+                      </m:limUpp>
+                      <m:r>
+                        <a:rPr sz="2461" i="1">
+                          <a:solidFill>
+                            <a:srgbClr val="000000"/>
+                          </a:solidFill>
+                          <a:latin typeface="Cambria Math" panose="02040503050406030204" pitchFamily="18" charset="0"/>
+                        </a:rPr>
+                        <m:t>(</m:t>
+                      </m:r>
+                      <m:sSub>
+                        <m:sSubPr>
+                          <m:ctrlPr>
+                            <a:rPr sz="2461" i="1">
+                              <a:solidFill>
+                                <a:srgbClr val="000000"/>
+                              </a:solidFill>
+                              <a:latin typeface="Cambria Math" panose="02040503050406030204" pitchFamily="18" charset="0"/>
+                            </a:rPr>
+                          </m:ctrlPr>
+                        </m:sSubPr>
+                        <m:e>
+                          <m:r>
+                            <a:rPr sz="2461" i="1">
+                              <a:solidFill>
+                                <a:srgbClr val="000000"/>
+                              </a:solidFill>
+                              <a:latin typeface="Cambria Math" panose="02040503050406030204" pitchFamily="18" charset="0"/>
+                            </a:rPr>
+                            <m:t>𝑦</m:t>
+                          </m:r>
+                        </m:e>
+                        <m:sub>
+                          <m:r>
+                            <a:rPr sz="2461" i="1">
+                              <a:solidFill>
+                                <a:srgbClr val="000000"/>
+                              </a:solidFill>
+                              <a:latin typeface="Cambria Math" panose="02040503050406030204" pitchFamily="18" charset="0"/>
+                            </a:rPr>
+                            <m:t>𝑖</m:t>
+                          </m:r>
+                        </m:sub>
+                      </m:sSub>
+                      <m:r>
+                        <a:rPr sz="2461" i="1">
+                          <a:solidFill>
+                            <a:srgbClr val="000000"/>
+                          </a:solidFill>
+                          <a:latin typeface="Cambria Math" panose="02040503050406030204" pitchFamily="18" charset="0"/>
+                        </a:rPr>
+                        <m:t>−</m:t>
+                      </m:r>
+                      <m:sSub>
+                        <m:sSubPr>
+                          <m:ctrlPr>
+                            <a:rPr sz="2461" i="1">
+                              <a:solidFill>
+                                <a:srgbClr val="000000"/>
+                              </a:solidFill>
+                              <a:latin typeface="Cambria Math" panose="02040503050406030204" pitchFamily="18" charset="0"/>
+                            </a:rPr>
+                          </m:ctrlPr>
+                        </m:sSubPr>
+                        <m:e>
+                          <m:limUpp>
+                            <m:limUppPr>
+                              <m:ctrlPr>
+                                <a:rPr sz="2461" i="1">
+                                  <a:solidFill>
+                                    <a:srgbClr val="000000"/>
+                                  </a:solidFill>
+                                  <a:latin typeface="Cambria Math" panose="02040503050406030204" pitchFamily="18" charset="0"/>
+                                </a:rPr>
+                              </m:ctrlPr>
+                            </m:limUppPr>
+                            <m:e>
+                              <m:r>
+                                <a:rPr sz="2461" i="1">
+                                  <a:solidFill>
+                                    <a:srgbClr val="000000"/>
+                                  </a:solidFill>
+                                  <a:latin typeface="Cambria Math" panose="02040503050406030204" pitchFamily="18" charset="0"/>
+                                </a:rPr>
+                                <m:t>𝑦</m:t>
+                              </m:r>
+                            </m:e>
+                            <m:lim>
+                              <m:r>
+                                <a:rPr sz="2461" i="1">
+                                  <a:solidFill>
+                                    <a:srgbClr val="000000"/>
+                                  </a:solidFill>
+                                  <a:latin typeface="Cambria Math" panose="02040503050406030204" pitchFamily="18" charset="0"/>
+                                </a:rPr>
+                                <m:t>̂</m:t>
+                              </m:r>
+                            </m:lim>
+                          </m:limUpp>
+                        </m:e>
+                        <m:sub>
+                          <m:r>
+                            <a:rPr sz="2461" i="1">
+                              <a:solidFill>
+                                <a:srgbClr val="000000"/>
+                              </a:solidFill>
+                              <a:latin typeface="Cambria Math" panose="02040503050406030204" pitchFamily="18" charset="0"/>
+                            </a:rPr>
+                            <m:t>𝑖</m:t>
+                          </m:r>
+                        </m:sub>
+                      </m:sSub>
+                      <m:sSup>
+                        <m:sSupPr>
+                          <m:ctrlPr>
+                            <a:rPr sz="2461" i="1">
+                              <a:solidFill>
+                                <a:srgbClr val="000000"/>
+                              </a:solidFill>
+                              <a:latin typeface="Cambria Math" panose="02040503050406030204" pitchFamily="18" charset="0"/>
+                            </a:rPr>
+                          </m:ctrlPr>
+                        </m:sSupPr>
+                        <m:e>
+                          <m:r>
+                            <a:rPr sz="2461" i="1">
+                              <a:solidFill>
+                                <a:srgbClr val="000000"/>
+                              </a:solidFill>
+                              <a:latin typeface="Cambria Math" panose="02040503050406030204" pitchFamily="18" charset="0"/>
+                            </a:rPr>
+                            <m:t>)</m:t>
+                          </m:r>
+                        </m:e>
+                        <m:sup>
+                          <m:r>
+                            <a:rPr sz="2461" i="1">
+                              <a:solidFill>
+                                <a:srgbClr val="000000"/>
+                              </a:solidFill>
+                              <a:latin typeface="Cambria Math" panose="02040503050406030204" pitchFamily="18" charset="0"/>
+                            </a:rPr>
+                            <m:t>2</m:t>
+                          </m:r>
+                        </m:sup>
+                      </m:sSup>
+                    </m:oMath>
+                  </m:oMathPara>
+                </a14:m>
+                <a:endParaRPr sz="2461" dirty="0"/>
+              </a:p>
+            </p:txBody>
+          </p:sp>
+        </mc:Choice>
+        <mc:Fallback xmlns="">
+          <p:sp>
+            <p:nvSpPr>
+              <p:cNvPr id="185" name="equation.pdf"/>
+              <p:cNvSpPr txBox="1">
+                <a:spLocks noRot="1" noChangeAspect="1" noMove="1" noResize="1" noEditPoints="1" noAdjustHandles="1" noChangeArrowheads="1" noChangeShapeType="1" noTextEdit="1"/>
+              </p:cNvSpPr>
+              <p:nvPr/>
+            </p:nvSpPr>
+            <p:spPr>
+              <a:xfrm>
+                <a:off x="7842027" y="2530078"/>
+                <a:ext cx="2204001" cy="757130"/>
+              </a:xfrm>
+              <a:prstGeom prst="rect">
+                <a:avLst/>
+              </a:prstGeom>
+              <a:blipFill>
+                <a:blip r:embed="rId3"/>
+                <a:stretch>
+                  <a:fillRect/>
+                </a:stretch>
+              </a:blipFill>
+              <a:ln w="12700">
+                <a:miter lim="400000"/>
+              </a:ln>
+            </p:spPr>
+            <p:txBody>
+              <a:bodyPr/>
+              <a:lstStyle/>
+              <a:p>
+                <a:r>
+                  <a:rPr lang="en-US">
+                    <a:noFill/>
+                  </a:rPr>
+                  <a:t> </a:t>
+                </a:r>
+              </a:p>
+            </p:txBody>
+          </p:sp>
+        </mc:Fallback>
+      </mc:AlternateContent>
+    </p:spTree>
+  </p:cSld>
+  <p:clrMapOvr>
+    <a:masterClrMapping/>
+  </p:clrMapOvr>
+  <p:transition spd="med"/>
+</p:sld>
+</file>
+
+<file path=ppt/slides/slide40.xml><?xml version="1.0" encoding="utf-8"?>
 <p:sld xmlns:a="http://schemas.openxmlformats.org/drawingml/2006/main" xmlns:r="http://schemas.openxmlformats.org/officeDocument/2006/relationships" xmlns:p="http://schemas.openxmlformats.org/presentationml/2006/main">
   <p:cSld>
     <p:spTree>
@@ -22952,7 +22255,7 @@
 </p:sld>
 </file>
 
-<file path=ppt/slides/slide42.xml><?xml version="1.0" encoding="utf-8"?>
+<file path=ppt/slides/slide41.xml><?xml version="1.0" encoding="utf-8"?>
 <p:sld xmlns:a="http://schemas.openxmlformats.org/drawingml/2006/main" xmlns:r="http://schemas.openxmlformats.org/officeDocument/2006/relationships" xmlns:p="http://schemas.openxmlformats.org/presentationml/2006/main">
   <p:cSld>
     <p:spTree>
@@ -23205,7 +22508,7 @@
 </p:sld>
 </file>
 
-<file path=ppt/slides/slide43.xml><?xml version="1.0" encoding="utf-8"?>
+<file path=ppt/slides/slide42.xml><?xml version="1.0" encoding="utf-8"?>
 <p:sld xmlns:a="http://schemas.openxmlformats.org/drawingml/2006/main" xmlns:r="http://schemas.openxmlformats.org/officeDocument/2006/relationships" xmlns:p="http://schemas.openxmlformats.org/presentationml/2006/main">
   <p:cSld>
     <p:spTree>
